--- a/Documentation/Planning/wireframe_1.pptx
+++ b/Documentation/Planning/wireframe_1.pptx
@@ -283,7 +283,7 @@
           <a:p>
             <a:fld id="{BDD1807A-24FC-4EDA-B875-A70CBA16F5EE}" type="datetimeFigureOut">
               <a:rPr lang="en-ZA" smtClean="0"/>
-              <a:t>2021/09/28</a:t>
+              <a:t>2021/09/29</a:t>
             </a:fld>
             <a:endParaRPr lang="en-ZA"/>
           </a:p>
@@ -483,7 +483,7 @@
           <a:p>
             <a:fld id="{BDD1807A-24FC-4EDA-B875-A70CBA16F5EE}" type="datetimeFigureOut">
               <a:rPr lang="en-ZA" smtClean="0"/>
-              <a:t>2021/09/28</a:t>
+              <a:t>2021/09/29</a:t>
             </a:fld>
             <a:endParaRPr lang="en-ZA"/>
           </a:p>
@@ -693,7 +693,7 @@
           <a:p>
             <a:fld id="{BDD1807A-24FC-4EDA-B875-A70CBA16F5EE}" type="datetimeFigureOut">
               <a:rPr lang="en-ZA" smtClean="0"/>
-              <a:t>2021/09/28</a:t>
+              <a:t>2021/09/29</a:t>
             </a:fld>
             <a:endParaRPr lang="en-ZA"/>
           </a:p>
@@ -893,7 +893,7 @@
           <a:p>
             <a:fld id="{BDD1807A-24FC-4EDA-B875-A70CBA16F5EE}" type="datetimeFigureOut">
               <a:rPr lang="en-ZA" smtClean="0"/>
-              <a:t>2021/09/28</a:t>
+              <a:t>2021/09/29</a:t>
             </a:fld>
             <a:endParaRPr lang="en-ZA"/>
           </a:p>
@@ -1169,7 +1169,7 @@
           <a:p>
             <a:fld id="{BDD1807A-24FC-4EDA-B875-A70CBA16F5EE}" type="datetimeFigureOut">
               <a:rPr lang="en-ZA" smtClean="0"/>
-              <a:t>2021/09/28</a:t>
+              <a:t>2021/09/29</a:t>
             </a:fld>
             <a:endParaRPr lang="en-ZA"/>
           </a:p>
@@ -1437,7 +1437,7 @@
           <a:p>
             <a:fld id="{BDD1807A-24FC-4EDA-B875-A70CBA16F5EE}" type="datetimeFigureOut">
               <a:rPr lang="en-ZA" smtClean="0"/>
-              <a:t>2021/09/28</a:t>
+              <a:t>2021/09/29</a:t>
             </a:fld>
             <a:endParaRPr lang="en-ZA"/>
           </a:p>
@@ -1852,7 +1852,7 @@
           <a:p>
             <a:fld id="{BDD1807A-24FC-4EDA-B875-A70CBA16F5EE}" type="datetimeFigureOut">
               <a:rPr lang="en-ZA" smtClean="0"/>
-              <a:t>2021/09/28</a:t>
+              <a:t>2021/09/29</a:t>
             </a:fld>
             <a:endParaRPr lang="en-ZA"/>
           </a:p>
@@ -1994,7 +1994,7 @@
           <a:p>
             <a:fld id="{BDD1807A-24FC-4EDA-B875-A70CBA16F5EE}" type="datetimeFigureOut">
               <a:rPr lang="en-ZA" smtClean="0"/>
-              <a:t>2021/09/28</a:t>
+              <a:t>2021/09/29</a:t>
             </a:fld>
             <a:endParaRPr lang="en-ZA"/>
           </a:p>
@@ -2107,7 +2107,7 @@
           <a:p>
             <a:fld id="{BDD1807A-24FC-4EDA-B875-A70CBA16F5EE}" type="datetimeFigureOut">
               <a:rPr lang="en-ZA" smtClean="0"/>
-              <a:t>2021/09/28</a:t>
+              <a:t>2021/09/29</a:t>
             </a:fld>
             <a:endParaRPr lang="en-ZA"/>
           </a:p>
@@ -2420,7 +2420,7 @@
           <a:p>
             <a:fld id="{BDD1807A-24FC-4EDA-B875-A70CBA16F5EE}" type="datetimeFigureOut">
               <a:rPr lang="en-ZA" smtClean="0"/>
-              <a:t>2021/09/28</a:t>
+              <a:t>2021/09/29</a:t>
             </a:fld>
             <a:endParaRPr lang="en-ZA"/>
           </a:p>
@@ -2709,7 +2709,7 @@
           <a:p>
             <a:fld id="{BDD1807A-24FC-4EDA-B875-A70CBA16F5EE}" type="datetimeFigureOut">
               <a:rPr lang="en-ZA" smtClean="0"/>
-              <a:t>2021/09/28</a:t>
+              <a:t>2021/09/29</a:t>
             </a:fld>
             <a:endParaRPr lang="en-ZA"/>
           </a:p>
@@ -2952,7 +2952,7 @@
           <a:p>
             <a:fld id="{BDD1807A-24FC-4EDA-B875-A70CBA16F5EE}" type="datetimeFigureOut">
               <a:rPr lang="en-ZA" smtClean="0"/>
-              <a:t>2021/09/28</a:t>
+              <a:t>2021/09/29</a:t>
             </a:fld>
             <a:endParaRPr lang="en-ZA"/>
           </a:p>
@@ -3702,7 +3702,7 @@
         </p:nvSpPr>
         <p:spPr>
           <a:xfrm>
-            <a:off x="1852155" y="2941782"/>
+            <a:off x="2556197" y="3052354"/>
             <a:ext cx="249382" cy="212436"/>
           </a:xfrm>
           <a:prstGeom prst="star7">

--- a/Documentation/Planning/wireframe_1.pptx
+++ b/Documentation/Planning/wireframe_1.pptx
@@ -3817,7 +3817,7 @@
         <p:spPr>
           <a:xfrm>
             <a:off x="4072379" y="2432116"/>
-            <a:ext cx="2790334" cy="1649690"/>
+            <a:ext cx="3018534" cy="1649690"/>
           </a:xfrm>
           <a:prstGeom prst="flowChartInternalStorage">
             <a:avLst/>
@@ -3847,12 +3847,267 @@
           <a:lstStyle/>
           <a:p>
             <a:r>
+              <a:rPr lang="en-ZA" sz="800" dirty="0">
+                <a:solidFill>
+                  <a:schemeClr val="tx1"/>
+                </a:solidFill>
+              </a:rPr>
+              <a:t>Create table </a:t>
+            </a:r>
+            <a:r>
+              <a:rPr lang="en-ZA" sz="800" dirty="0" err="1">
+                <a:solidFill>
+                  <a:schemeClr val="tx1"/>
+                </a:solidFill>
+              </a:rPr>
+              <a:t>base_sync</a:t>
+            </a:r>
+            <a:r>
+              <a:rPr lang="en-ZA" sz="800" dirty="0">
+                <a:solidFill>
+                  <a:schemeClr val="tx1"/>
+                </a:solidFill>
+              </a:rPr>
+              <a:t> {</a:t>
+            </a:r>
+          </a:p>
+          <a:p>
+            <a:r>
+              <a:rPr lang="en-ZA" sz="800" dirty="0">
+                <a:solidFill>
+                  <a:schemeClr val="tx1"/>
+                </a:solidFill>
+              </a:rPr>
+              <a:t>Id int primary key autoincrement,</a:t>
+            </a:r>
+          </a:p>
+          <a:p>
+            <a:r>
+              <a:rPr lang="en-ZA" sz="800" dirty="0">
+                <a:solidFill>
+                  <a:schemeClr val="tx1"/>
+                </a:solidFill>
+              </a:rPr>
+              <a:t>Foreign key (</a:t>
+            </a:r>
+            <a:r>
+              <a:rPr lang="en-ZA" sz="800" dirty="0" err="1">
+                <a:solidFill>
+                  <a:schemeClr val="tx1"/>
+                </a:solidFill>
+              </a:rPr>
+              <a:t>base_id</a:t>
+            </a:r>
+            <a:r>
+              <a:rPr lang="en-ZA" sz="800" dirty="0">
+                <a:solidFill>
+                  <a:schemeClr val="tx1"/>
+                </a:solidFill>
+              </a:rPr>
+              <a:t>) reference  </a:t>
+            </a:r>
+            <a:r>
+              <a:rPr lang="en-ZA" sz="800" dirty="0" err="1">
+                <a:solidFill>
+                  <a:schemeClr val="tx1"/>
+                </a:solidFill>
+              </a:rPr>
+              <a:t>base_station</a:t>
+            </a:r>
+            <a:r>
+              <a:rPr lang="en-ZA" sz="800" dirty="0">
+                <a:solidFill>
+                  <a:schemeClr val="tx1"/>
+                </a:solidFill>
+              </a:rPr>
+              <a:t> (id) ,</a:t>
+            </a:r>
+          </a:p>
+          <a:p>
+            <a:r>
+              <a:rPr lang="en-ZA" sz="800" dirty="0">
+                <a:solidFill>
+                  <a:schemeClr val="tx1"/>
+                </a:solidFill>
+              </a:rPr>
+              <a:t>Foreign key (</a:t>
+            </a:r>
+            <a:r>
+              <a:rPr lang="en-ZA" sz="800" dirty="0" err="1">
+                <a:solidFill>
+                  <a:schemeClr val="tx1"/>
+                </a:solidFill>
+              </a:rPr>
+              <a:t>tag_id</a:t>
+            </a:r>
+            <a:r>
+              <a:rPr lang="en-ZA" sz="800" dirty="0">
+                <a:solidFill>
+                  <a:schemeClr val="tx1"/>
+                </a:solidFill>
+              </a:rPr>
+              <a:t>) references </a:t>
+            </a:r>
+            <a:r>
+              <a:rPr lang="en-ZA" sz="800" dirty="0" err="1">
+                <a:solidFill>
+                  <a:schemeClr val="tx1"/>
+                </a:solidFill>
+              </a:rPr>
+              <a:t>tag_name</a:t>
+            </a:r>
+            <a:r>
+              <a:rPr lang="en-ZA" sz="800" dirty="0">
+                <a:solidFill>
+                  <a:schemeClr val="tx1"/>
+                </a:solidFill>
+              </a:rPr>
+              <a:t>( id)</a:t>
+            </a:r>
+          </a:p>
+          <a:p>
+            <a:r>
+              <a:rPr lang="en-ZA" sz="800" dirty="0">
+                <a:solidFill>
+                  <a:schemeClr val="tx1"/>
+                </a:solidFill>
+              </a:rPr>
+              <a:t>Created timestamp not null default </a:t>
+            </a:r>
+            <a:r>
+              <a:rPr lang="en-ZA" sz="800" dirty="0" err="1">
+                <a:solidFill>
+                  <a:schemeClr val="tx1"/>
+                </a:solidFill>
+              </a:rPr>
+              <a:t>current_timestamp</a:t>
+            </a:r>
+            <a:r>
+              <a:rPr lang="en-ZA" sz="800" dirty="0">
+                <a:solidFill>
+                  <a:schemeClr val="tx1"/>
+                </a:solidFill>
+              </a:rPr>
+              <a:t>,</a:t>
+            </a:r>
+          </a:p>
+          <a:p>
+            <a:r>
+              <a:rPr lang="en-ZA" sz="800" dirty="0" err="1">
+                <a:solidFill>
+                  <a:schemeClr val="tx1"/>
+                </a:solidFill>
+              </a:rPr>
+              <a:t>GPS_local</a:t>
+            </a:r>
+            <a:r>
+              <a:rPr lang="en-ZA" sz="800" dirty="0">
+                <a:solidFill>
+                  <a:schemeClr val="tx1"/>
+                </a:solidFill>
+              </a:rPr>
+              <a:t> point,</a:t>
+            </a:r>
+          </a:p>
+          <a:p>
+            <a:r>
+              <a:rPr lang="en-ZA" sz="800" dirty="0" err="1">
+                <a:solidFill>
+                  <a:schemeClr val="tx1"/>
+                </a:solidFill>
+              </a:rPr>
+              <a:t>Tag_relative_strength</a:t>
+            </a:r>
+            <a:r>
+              <a:rPr lang="en-ZA" sz="800" dirty="0">
+                <a:solidFill>
+                  <a:schemeClr val="tx1"/>
+                </a:solidFill>
+              </a:rPr>
+              <a:t> decimal ,</a:t>
+            </a:r>
+          </a:p>
+          <a:p>
+            <a:r>
+              <a:rPr lang="en-ZA" sz="800" dirty="0" err="1">
+                <a:solidFill>
+                  <a:schemeClr val="tx1"/>
+                </a:solidFill>
+              </a:rPr>
+              <a:t>Sync_id</a:t>
+            </a:r>
+            <a:r>
+              <a:rPr lang="en-ZA" sz="800" dirty="0">
+                <a:solidFill>
+                  <a:schemeClr val="tx1"/>
+                </a:solidFill>
+              </a:rPr>
+              <a:t> varchar(30)</a:t>
+            </a:r>
+          </a:p>
+          <a:p>
+            <a:r>
+              <a:rPr lang="en-ZA" sz="800" dirty="0">
+                <a:solidFill>
+                  <a:schemeClr val="tx1"/>
+                </a:solidFill>
+              </a:rPr>
+              <a:t>);</a:t>
+            </a:r>
+          </a:p>
+        </p:txBody>
+      </p:sp>
+      <p:sp>
+        <p:nvSpPr>
+          <p:cNvPr id="11" name="Flowchart: Internal Storage 10">
+            <a:extLst>
+              <a:ext uri="{FF2B5EF4-FFF2-40B4-BE49-F238E27FC236}">
+                <a16:creationId xmlns:a16="http://schemas.microsoft.com/office/drawing/2014/main" id="{DF4D0790-BBAA-4811-878F-B53E0B10A281}"/>
+              </a:ext>
+            </a:extLst>
+          </p:cNvPr>
+          <p:cNvSpPr/>
+          <p:nvPr/>
+        </p:nvSpPr>
+        <p:spPr>
+          <a:xfrm>
+            <a:off x="7957794" y="1104508"/>
+            <a:ext cx="2790334" cy="1649690"/>
+          </a:xfrm>
+          <a:prstGeom prst="flowChartInternalStorage">
+            <a:avLst/>
+          </a:prstGeom>
+          <a:solidFill>
+            <a:schemeClr val="bg1"/>
+          </a:solidFill>
+        </p:spPr>
+        <p:style>
+          <a:lnRef idx="2">
+            <a:schemeClr val="accent1">
+              <a:shade val="50000"/>
+            </a:schemeClr>
+          </a:lnRef>
+          <a:fillRef idx="1">
+            <a:schemeClr val="accent1"/>
+          </a:fillRef>
+          <a:effectRef idx="0">
+            <a:schemeClr val="accent1"/>
+          </a:effectRef>
+          <a:fontRef idx="minor">
+            <a:schemeClr val="lt1"/>
+          </a:fontRef>
+        </p:style>
+        <p:txBody>
+          <a:bodyPr rtlCol="0" anchor="ctr"/>
+          <a:lstStyle/>
+          <a:p>
+            <a:r>
               <a:rPr lang="en-ZA" sz="900" b="1" dirty="0" err="1">
                 <a:solidFill>
                   <a:schemeClr val="tx1"/>
                 </a:solidFill>
               </a:rPr>
-              <a:t>Base_sync</a:t>
+              <a:t>Base_stations</a:t>
             </a:r>
             <a:endParaRPr lang="en-ZA" sz="900" b="1" dirty="0">
               <a:solidFill>
@@ -3866,58 +4121,12 @@
               <a:buChar char="•"/>
             </a:pPr>
             <a:r>
-              <a:rPr lang="en-ZA" sz="800" dirty="0" err="1">
-                <a:solidFill>
-                  <a:schemeClr val="tx1"/>
-                </a:solidFill>
-              </a:rPr>
-              <a:t>Unique_id</a:t>
-            </a:r>
-            <a:r>
               <a:rPr lang="en-ZA" sz="800" dirty="0">
                 <a:solidFill>
                   <a:schemeClr val="tx1"/>
                 </a:solidFill>
               </a:rPr>
-              <a:t> – Primary auto</a:t>
-            </a:r>
-          </a:p>
-          <a:p>
-            <a:pPr marL="171450" indent="-171450">
-              <a:buFont typeface="Arial" panose="020B0604020202020204" pitchFamily="34" charset="0"/>
-              <a:buChar char="•"/>
-            </a:pPr>
-            <a:r>
-              <a:rPr lang="en-ZA" sz="800" dirty="0" err="1">
-                <a:solidFill>
-                  <a:schemeClr val="tx1"/>
-                </a:solidFill>
-              </a:rPr>
-              <a:t>User_id</a:t>
-            </a:r>
-            <a:r>
-              <a:rPr lang="en-ZA" sz="800" dirty="0">
-                <a:solidFill>
-                  <a:schemeClr val="tx1"/>
-                </a:solidFill>
-              </a:rPr>
-              <a:t> -  Foreign Key (</a:t>
-            </a:r>
-            <a:r>
-              <a:rPr lang="en-ZA" sz="800" dirty="0" err="1">
-                <a:solidFill>
-                  <a:schemeClr val="tx1"/>
-                </a:solidFill>
-              </a:rPr>
-              <a:t>user.unique_id</a:t>
-            </a:r>
-            <a:r>
-              <a:rPr lang="en-ZA" sz="800" dirty="0">
-                <a:solidFill>
-                  <a:schemeClr val="tx1"/>
-                </a:solidFill>
-              </a:rPr>
-              <a:t>)</a:t>
+              <a:t>id – Primary auto</a:t>
             </a:r>
           </a:p>
           <a:p>
@@ -3953,7 +4162,7 @@
                   <a:schemeClr val="tx1"/>
                 </a:solidFill>
               </a:rPr>
-              <a:t>Tag_id</a:t>
+              <a:t>Nice_name</a:t>
             </a:r>
             <a:r>
               <a:rPr lang="en-ZA" sz="800" dirty="0">
@@ -3963,6 +4172,62 @@
               </a:rPr>
               <a:t> – varchar(30)</a:t>
             </a:r>
+            <a:endParaRPr lang="en-ZA" sz="800" dirty="0"/>
+          </a:p>
+        </p:txBody>
+      </p:sp>
+      <p:sp>
+        <p:nvSpPr>
+          <p:cNvPr id="12" name="Flowchart: Internal Storage 11">
+            <a:extLst>
+              <a:ext uri="{FF2B5EF4-FFF2-40B4-BE49-F238E27FC236}">
+                <a16:creationId xmlns:a16="http://schemas.microsoft.com/office/drawing/2014/main" id="{B9E10DBF-E6FB-4CF0-9284-36F69102F304}"/>
+              </a:ext>
+            </a:extLst>
+          </p:cNvPr>
+          <p:cNvSpPr/>
+          <p:nvPr/>
+        </p:nvSpPr>
+        <p:spPr>
+          <a:xfrm>
+            <a:off x="7957794" y="3093563"/>
+            <a:ext cx="2790334" cy="1649690"/>
+          </a:xfrm>
+          <a:prstGeom prst="flowChartInternalStorage">
+            <a:avLst/>
+          </a:prstGeom>
+          <a:solidFill>
+            <a:schemeClr val="bg1"/>
+          </a:solidFill>
+        </p:spPr>
+        <p:style>
+          <a:lnRef idx="2">
+            <a:schemeClr val="accent1">
+              <a:shade val="50000"/>
+            </a:schemeClr>
+          </a:lnRef>
+          <a:fillRef idx="1">
+            <a:schemeClr val="accent1"/>
+          </a:fillRef>
+          <a:effectRef idx="0">
+            <a:schemeClr val="accent1"/>
+          </a:effectRef>
+          <a:fontRef idx="minor">
+            <a:schemeClr val="lt1"/>
+          </a:fontRef>
+        </p:style>
+        <p:txBody>
+          <a:bodyPr rtlCol="0" anchor="ctr"/>
+          <a:lstStyle/>
+          <a:p>
+            <a:r>
+              <a:rPr lang="en-ZA" sz="900" b="1" dirty="0">
+                <a:solidFill>
+                  <a:schemeClr val="tx1"/>
+                </a:solidFill>
+              </a:rPr>
+              <a:t>Tag</a:t>
+            </a:r>
           </a:p>
           <a:p>
             <a:pPr marL="171450" indent="-171450">
@@ -3975,21 +4240,7 @@
                   <a:schemeClr val="tx1"/>
                 </a:solidFill>
               </a:rPr>
-              <a:t>Timestamp-varchar(14) (yyyymmddhh24miss)</a:t>
-            </a:r>
-          </a:p>
-          <a:p>
-            <a:pPr marL="171450" indent="-171450">
-              <a:buFont typeface="Arial" panose="020B0604020202020204" pitchFamily="34" charset="0"/>
-              <a:buChar char="•"/>
-            </a:pPr>
-            <a:r>
-              <a:rPr lang="en-ZA" sz="800" dirty="0">
-                <a:solidFill>
-                  <a:schemeClr val="tx1"/>
-                </a:solidFill>
-              </a:rPr>
-              <a:t>GPS_LOCAL – point</a:t>
+              <a:t>id – Primary auto</a:t>
             </a:r>
           </a:p>
           <a:p>
@@ -4003,137 +4254,7 @@
                   <a:schemeClr val="tx1"/>
                 </a:solidFill>
               </a:rPr>
-              <a:t>Tag_relative_strength</a:t>
-            </a:r>
-            <a:r>
-              <a:rPr lang="en-ZA" sz="800" dirty="0">
-                <a:solidFill>
-                  <a:schemeClr val="tx1"/>
-                </a:solidFill>
-              </a:rPr>
-              <a:t> – int</a:t>
-            </a:r>
-          </a:p>
-          <a:p>
-            <a:pPr marL="171450" indent="-171450">
-              <a:buFont typeface="Arial" panose="020B0604020202020204" pitchFamily="34" charset="0"/>
-              <a:buChar char="•"/>
-            </a:pPr>
-            <a:r>
-              <a:rPr lang="en-ZA" sz="800" dirty="0" err="1">
-                <a:solidFill>
-                  <a:schemeClr val="tx1"/>
-                </a:solidFill>
-              </a:rPr>
-              <a:t>Sync_id</a:t>
-            </a:r>
-            <a:r>
-              <a:rPr lang="en-ZA" sz="800" dirty="0">
-                <a:solidFill>
-                  <a:schemeClr val="tx1"/>
-                </a:solidFill>
-              </a:rPr>
-              <a:t> – varchar30</a:t>
-            </a:r>
-            <a:r>
-              <a:rPr lang="en-ZA" sz="800" dirty="0"/>
-              <a:t>e</a:t>
-            </a:r>
-          </a:p>
-        </p:txBody>
-      </p:sp>
-      <p:sp>
-        <p:nvSpPr>
-          <p:cNvPr id="11" name="Flowchart: Internal Storage 10">
-            <a:extLst>
-              <a:ext uri="{FF2B5EF4-FFF2-40B4-BE49-F238E27FC236}">
-                <a16:creationId xmlns:a16="http://schemas.microsoft.com/office/drawing/2014/main" id="{DF4D0790-BBAA-4811-878F-B53E0B10A281}"/>
-              </a:ext>
-            </a:extLst>
-          </p:cNvPr>
-          <p:cNvSpPr/>
-          <p:nvPr/>
-        </p:nvSpPr>
-        <p:spPr>
-          <a:xfrm>
-            <a:off x="7957794" y="1104508"/>
-            <a:ext cx="2790334" cy="1649690"/>
-          </a:xfrm>
-          <a:prstGeom prst="flowChartInternalStorage">
-            <a:avLst/>
-          </a:prstGeom>
-          <a:solidFill>
-            <a:schemeClr val="bg1"/>
-          </a:solidFill>
-        </p:spPr>
-        <p:style>
-          <a:lnRef idx="2">
-            <a:schemeClr val="accent1">
-              <a:shade val="50000"/>
-            </a:schemeClr>
-          </a:lnRef>
-          <a:fillRef idx="1">
-            <a:schemeClr val="accent1"/>
-          </a:fillRef>
-          <a:effectRef idx="0">
-            <a:schemeClr val="accent1"/>
-          </a:effectRef>
-          <a:fontRef idx="minor">
-            <a:schemeClr val="lt1"/>
-          </a:fontRef>
-        </p:style>
-        <p:txBody>
-          <a:bodyPr rtlCol="0" anchor="ctr"/>
-          <a:lstStyle/>
-          <a:p>
-            <a:r>
-              <a:rPr lang="en-ZA" sz="900" b="1" dirty="0" err="1">
-                <a:solidFill>
-                  <a:schemeClr val="tx1"/>
-                </a:solidFill>
-              </a:rPr>
-              <a:t>Base_stations</a:t>
-            </a:r>
-            <a:endParaRPr lang="en-ZA" sz="900" b="1" dirty="0">
-              <a:solidFill>
-                <a:schemeClr val="tx1"/>
-              </a:solidFill>
-            </a:endParaRPr>
-          </a:p>
-          <a:p>
-            <a:pPr marL="171450" indent="-171450">
-              <a:buFont typeface="Arial" panose="020B0604020202020204" pitchFamily="34" charset="0"/>
-              <a:buChar char="•"/>
-            </a:pPr>
-            <a:r>
-              <a:rPr lang="en-ZA" sz="800" dirty="0" err="1">
-                <a:solidFill>
-                  <a:schemeClr val="tx1"/>
-                </a:solidFill>
-              </a:rPr>
-              <a:t>Unique_id</a:t>
-            </a:r>
-            <a:r>
-              <a:rPr lang="en-ZA" sz="800" dirty="0">
-                <a:solidFill>
-                  <a:schemeClr val="tx1"/>
-                </a:solidFill>
-              </a:rPr>
-              <a:t> – Primary auto</a:t>
-            </a:r>
-          </a:p>
-          <a:p>
-            <a:pPr marL="171450" indent="-171450">
-              <a:buFont typeface="Arial" panose="020B0604020202020204" pitchFamily="34" charset="0"/>
-              <a:buChar char="•"/>
-            </a:pPr>
-            <a:r>
-              <a:rPr lang="en-ZA" sz="800" dirty="0" err="1">
-                <a:solidFill>
-                  <a:schemeClr val="tx1"/>
-                </a:solidFill>
-              </a:rPr>
-              <a:t>Base_ID</a:t>
+              <a:t>Tag_id</a:t>
             </a:r>
             <a:r>
               <a:rPr lang="en-ZA" sz="800" dirty="0">
@@ -4163,128 +4284,6 @@
                   <a:schemeClr val="tx1"/>
                 </a:solidFill>
               </a:rPr>
-              <a:t> – varchar(30)</a:t>
-            </a:r>
-            <a:endParaRPr lang="en-ZA" sz="800" dirty="0"/>
-          </a:p>
-        </p:txBody>
-      </p:sp>
-      <p:sp>
-        <p:nvSpPr>
-          <p:cNvPr id="12" name="Flowchart: Internal Storage 11">
-            <a:extLst>
-              <a:ext uri="{FF2B5EF4-FFF2-40B4-BE49-F238E27FC236}">
-                <a16:creationId xmlns:a16="http://schemas.microsoft.com/office/drawing/2014/main" id="{B9E10DBF-E6FB-4CF0-9284-36F69102F304}"/>
-              </a:ext>
-            </a:extLst>
-          </p:cNvPr>
-          <p:cNvSpPr/>
-          <p:nvPr/>
-        </p:nvSpPr>
-        <p:spPr>
-          <a:xfrm>
-            <a:off x="7957794" y="3093563"/>
-            <a:ext cx="2790334" cy="1649690"/>
-          </a:xfrm>
-          <a:prstGeom prst="flowChartInternalStorage">
-            <a:avLst/>
-          </a:prstGeom>
-          <a:solidFill>
-            <a:schemeClr val="bg1"/>
-          </a:solidFill>
-        </p:spPr>
-        <p:style>
-          <a:lnRef idx="2">
-            <a:schemeClr val="accent1">
-              <a:shade val="50000"/>
-            </a:schemeClr>
-          </a:lnRef>
-          <a:fillRef idx="1">
-            <a:schemeClr val="accent1"/>
-          </a:fillRef>
-          <a:effectRef idx="0">
-            <a:schemeClr val="accent1"/>
-          </a:effectRef>
-          <a:fontRef idx="minor">
-            <a:schemeClr val="lt1"/>
-          </a:fontRef>
-        </p:style>
-        <p:txBody>
-          <a:bodyPr rtlCol="0" anchor="ctr"/>
-          <a:lstStyle/>
-          <a:p>
-            <a:r>
-              <a:rPr lang="en-ZA" sz="900" b="1" dirty="0">
-                <a:solidFill>
-                  <a:schemeClr val="tx1"/>
-                </a:solidFill>
-              </a:rPr>
-              <a:t>Tag</a:t>
-            </a:r>
-          </a:p>
-          <a:p>
-            <a:pPr marL="171450" indent="-171450">
-              <a:buFont typeface="Arial" panose="020B0604020202020204" pitchFamily="34" charset="0"/>
-              <a:buChar char="•"/>
-            </a:pPr>
-            <a:r>
-              <a:rPr lang="en-ZA" sz="800" dirty="0" err="1">
-                <a:solidFill>
-                  <a:schemeClr val="tx1"/>
-                </a:solidFill>
-              </a:rPr>
-              <a:t>Unique_id</a:t>
-            </a:r>
-            <a:r>
-              <a:rPr lang="en-ZA" sz="800" dirty="0">
-                <a:solidFill>
-                  <a:schemeClr val="tx1"/>
-                </a:solidFill>
-              </a:rPr>
-              <a:t> – Primary auto</a:t>
-            </a:r>
-          </a:p>
-          <a:p>
-            <a:pPr marL="171450" indent="-171450">
-              <a:buFont typeface="Arial" panose="020B0604020202020204" pitchFamily="34" charset="0"/>
-              <a:buChar char="•"/>
-            </a:pPr>
-            <a:r>
-              <a:rPr lang="en-ZA" sz="800" dirty="0" err="1">
-                <a:solidFill>
-                  <a:schemeClr val="tx1"/>
-                </a:solidFill>
-              </a:rPr>
-              <a:t>Tag_id</a:t>
-            </a:r>
-            <a:r>
-              <a:rPr lang="en-ZA" sz="800" dirty="0">
-                <a:solidFill>
-                  <a:schemeClr val="tx1"/>
-                </a:solidFill>
-              </a:rPr>
-              <a:t> – varchar(30)</a:t>
-            </a:r>
-          </a:p>
-          <a:p>
-            <a:pPr marL="171450" indent="-171450">
-              <a:buFont typeface="Arial" panose="020B0604020202020204" pitchFamily="34" charset="0"/>
-              <a:buChar char="•"/>
-            </a:pPr>
-            <a:r>
-              <a:rPr lang="en-ZA" sz="800" dirty="0" err="1">
-                <a:solidFill>
-                  <a:schemeClr val="tx1"/>
-                </a:solidFill>
-              </a:rPr>
-              <a:t>Nice_name</a:t>
-            </a:r>
-            <a:r>
-              <a:rPr lang="en-ZA" sz="800" dirty="0">
-                <a:solidFill>
-                  <a:schemeClr val="tx1"/>
-                </a:solidFill>
-              </a:rPr>
               <a:t>-varchar(30)</a:t>
             </a:r>
             <a:endParaRPr lang="en-ZA" sz="800" dirty="0"/>
@@ -4301,6 +4300,7 @@
             </a:extLst>
           </p:cNvPr>
           <p:cNvCxnSpPr>
+            <a:cxnSpLocks/>
             <a:stCxn id="11" idx="1"/>
             <a:endCxn id="8" idx="3"/>
           </p:cNvCxnSpPr>
@@ -4308,8 +4308,8 @@
         </p:nvCxnSpPr>
         <p:spPr>
           <a:xfrm rot="10800000" flipV="1">
-            <a:off x="6862714" y="1929353"/>
-            <a:ext cx="1095081" cy="1327608"/>
+            <a:off x="7090914" y="1929353"/>
+            <a:ext cx="866881" cy="1327608"/>
           </a:xfrm>
           <a:prstGeom prst="bentConnector3">
             <a:avLst/>
@@ -4342,13 +4342,14 @@
           <p:cNvCxnSpPr>
             <a:cxnSpLocks/>
             <a:stCxn id="12" idx="1"/>
+            <a:endCxn id="8" idx="3"/>
           </p:cNvCxnSpPr>
           <p:nvPr/>
         </p:nvCxnSpPr>
         <p:spPr>
           <a:xfrm rot="10800000">
-            <a:off x="6862714" y="3506772"/>
-            <a:ext cx="1095081" cy="411637"/>
+            <a:off x="7090914" y="3256962"/>
+            <a:ext cx="866881" cy="661447"/>
           </a:xfrm>
           <a:prstGeom prst="bentConnector3">
             <a:avLst/>
@@ -4470,7 +4471,7 @@
         </p:blipFill>
         <p:spPr>
           <a:xfrm>
-            <a:off x="6874102" y="2971800"/>
+            <a:off x="7066483" y="2980931"/>
             <a:ext cx="285161" cy="285161"/>
           </a:xfrm>
           <a:prstGeom prst="rect">
@@ -4509,7 +4510,7 @@
         </p:blipFill>
         <p:spPr>
           <a:xfrm>
-            <a:off x="6862712" y="3495480"/>
+            <a:off x="7103076" y="3329824"/>
             <a:ext cx="285161" cy="285161"/>
           </a:xfrm>
           <a:prstGeom prst="rect">
@@ -4576,20 +4577,12 @@
               <a:buChar char="•"/>
             </a:pPr>
             <a:r>
-              <a:rPr lang="en-ZA" sz="800" dirty="0" err="1">
-                <a:solidFill>
-                  <a:schemeClr val="tx1"/>
-                </a:solidFill>
-              </a:rPr>
-              <a:t>Unique_id</a:t>
-            </a:r>
-            <a:r>
               <a:rPr lang="en-ZA" sz="800" dirty="0">
                 <a:solidFill>
                   <a:schemeClr val="tx1"/>
                 </a:solidFill>
               </a:rPr>
-              <a:t> – Primary auto</a:t>
+              <a:t>id – Primary auto</a:t>
             </a:r>
           </a:p>
           <a:p>
@@ -4834,39 +4827,26 @@
           <a:lstStyle/>
           <a:p>
             <a:r>
-              <a:rPr lang="en-ZA" sz="900" b="1" dirty="0" err="1">
+              <a:rPr lang="en-ZA" sz="900" b="1" dirty="0">
                 <a:solidFill>
                   <a:schemeClr val="tx1"/>
                 </a:solidFill>
               </a:rPr>
-              <a:t>USER_Billing</a:t>
-            </a:r>
-            <a:endParaRPr lang="en-ZA" sz="900" b="1" dirty="0">
-              <a:solidFill>
-                <a:schemeClr val="tx1"/>
-              </a:solidFill>
-            </a:endParaRPr>
+              <a:t>Billing</a:t>
+            </a:r>
           </a:p>
           <a:p>
             <a:pPr marL="171450" indent="-171450">
               <a:buFont typeface="Arial" panose="020B0604020202020204" pitchFamily="34" charset="0"/>
               <a:buChar char="•"/>
             </a:pPr>
-            <a:r>
-              <a:rPr lang="en-ZA" sz="800" dirty="0" err="1">
-                <a:solidFill>
-                  <a:schemeClr val="tx1"/>
-                </a:solidFill>
-              </a:rPr>
-              <a:t>Unique_id</a:t>
-            </a:r>
             <a:r>
               <a:rPr lang="en-ZA" sz="800" dirty="0">
                 <a:solidFill>
                   <a:schemeClr val="tx1"/>
                 </a:solidFill>
               </a:rPr>
-              <a:t> – Primary auto</a:t>
+              <a:t>id – Primary auto</a:t>
             </a:r>
           </a:p>
           <a:p>

--- a/Documentation/Planning/wireframe_1.pptx
+++ b/Documentation/Planning/wireframe_1.pptx
@@ -15,7 +15,8 @@
     <p:sldId id="258" r:id="rId9"/>
     <p:sldId id="259" r:id="rId10"/>
     <p:sldId id="260" r:id="rId11"/>
-    <p:sldId id="261" r:id="rId12"/>
+    <p:sldId id="267" r:id="rId12"/>
+    <p:sldId id="261" r:id="rId13"/>
   </p:sldIdLst>
   <p:sldSz cx="12192000" cy="6858000"/>
   <p:notesSz cx="6858000" cy="9144000"/>
@@ -283,7 +284,7 @@
           <a:p>
             <a:fld id="{BDD1807A-24FC-4EDA-B875-A70CBA16F5EE}" type="datetimeFigureOut">
               <a:rPr lang="en-ZA" smtClean="0"/>
-              <a:t>2021/09/29</a:t>
+              <a:t>2021/10/19</a:t>
             </a:fld>
             <a:endParaRPr lang="en-ZA"/>
           </a:p>
@@ -483,7 +484,7 @@
           <a:p>
             <a:fld id="{BDD1807A-24FC-4EDA-B875-A70CBA16F5EE}" type="datetimeFigureOut">
               <a:rPr lang="en-ZA" smtClean="0"/>
-              <a:t>2021/09/29</a:t>
+              <a:t>2021/10/19</a:t>
             </a:fld>
             <a:endParaRPr lang="en-ZA"/>
           </a:p>
@@ -693,7 +694,7 @@
           <a:p>
             <a:fld id="{BDD1807A-24FC-4EDA-B875-A70CBA16F5EE}" type="datetimeFigureOut">
               <a:rPr lang="en-ZA" smtClean="0"/>
-              <a:t>2021/09/29</a:t>
+              <a:t>2021/10/19</a:t>
             </a:fld>
             <a:endParaRPr lang="en-ZA"/>
           </a:p>
@@ -893,7 +894,7 @@
           <a:p>
             <a:fld id="{BDD1807A-24FC-4EDA-B875-A70CBA16F5EE}" type="datetimeFigureOut">
               <a:rPr lang="en-ZA" smtClean="0"/>
-              <a:t>2021/09/29</a:t>
+              <a:t>2021/10/19</a:t>
             </a:fld>
             <a:endParaRPr lang="en-ZA"/>
           </a:p>
@@ -1169,7 +1170,7 @@
           <a:p>
             <a:fld id="{BDD1807A-24FC-4EDA-B875-A70CBA16F5EE}" type="datetimeFigureOut">
               <a:rPr lang="en-ZA" smtClean="0"/>
-              <a:t>2021/09/29</a:t>
+              <a:t>2021/10/19</a:t>
             </a:fld>
             <a:endParaRPr lang="en-ZA"/>
           </a:p>
@@ -1437,7 +1438,7 @@
           <a:p>
             <a:fld id="{BDD1807A-24FC-4EDA-B875-A70CBA16F5EE}" type="datetimeFigureOut">
               <a:rPr lang="en-ZA" smtClean="0"/>
-              <a:t>2021/09/29</a:t>
+              <a:t>2021/10/19</a:t>
             </a:fld>
             <a:endParaRPr lang="en-ZA"/>
           </a:p>
@@ -1852,7 +1853,7 @@
           <a:p>
             <a:fld id="{BDD1807A-24FC-4EDA-B875-A70CBA16F5EE}" type="datetimeFigureOut">
               <a:rPr lang="en-ZA" smtClean="0"/>
-              <a:t>2021/09/29</a:t>
+              <a:t>2021/10/19</a:t>
             </a:fld>
             <a:endParaRPr lang="en-ZA"/>
           </a:p>
@@ -1994,7 +1995,7 @@
           <a:p>
             <a:fld id="{BDD1807A-24FC-4EDA-B875-A70CBA16F5EE}" type="datetimeFigureOut">
               <a:rPr lang="en-ZA" smtClean="0"/>
-              <a:t>2021/09/29</a:t>
+              <a:t>2021/10/19</a:t>
             </a:fld>
             <a:endParaRPr lang="en-ZA"/>
           </a:p>
@@ -2107,7 +2108,7 @@
           <a:p>
             <a:fld id="{BDD1807A-24FC-4EDA-B875-A70CBA16F5EE}" type="datetimeFigureOut">
               <a:rPr lang="en-ZA" smtClean="0"/>
-              <a:t>2021/09/29</a:t>
+              <a:t>2021/10/19</a:t>
             </a:fld>
             <a:endParaRPr lang="en-ZA"/>
           </a:p>
@@ -2420,7 +2421,7 @@
           <a:p>
             <a:fld id="{BDD1807A-24FC-4EDA-B875-A70CBA16F5EE}" type="datetimeFigureOut">
               <a:rPr lang="en-ZA" smtClean="0"/>
-              <a:t>2021/09/29</a:t>
+              <a:t>2021/10/19</a:t>
             </a:fld>
             <a:endParaRPr lang="en-ZA"/>
           </a:p>
@@ -2709,7 +2710,7 @@
           <a:p>
             <a:fld id="{BDD1807A-24FC-4EDA-B875-A70CBA16F5EE}" type="datetimeFigureOut">
               <a:rPr lang="en-ZA" smtClean="0"/>
-              <a:t>2021/09/29</a:t>
+              <a:t>2021/10/19</a:t>
             </a:fld>
             <a:endParaRPr lang="en-ZA"/>
           </a:p>
@@ -2952,7 +2953,7 @@
           <a:p>
             <a:fld id="{BDD1807A-24FC-4EDA-B875-A70CBA16F5EE}" type="datetimeFigureOut">
               <a:rPr lang="en-ZA" smtClean="0"/>
-              <a:t>2021/09/29</a:t>
+              <a:t>2021/10/19</a:t>
             </a:fld>
             <a:endParaRPr lang="en-ZA"/>
           </a:p>
@@ -5079,6 +5080,565 @@
       </p:grpSpPr>
       <p:sp>
         <p:nvSpPr>
+          <p:cNvPr id="2" name="Title 1">
+            <a:extLst>
+              <a:ext uri="{FF2B5EF4-FFF2-40B4-BE49-F238E27FC236}">
+                <a16:creationId xmlns:a16="http://schemas.microsoft.com/office/drawing/2014/main" id="{A5940245-301D-4AC2-9FBB-4611F107E522}"/>
+              </a:ext>
+            </a:extLst>
+          </p:cNvPr>
+          <p:cNvSpPr>
+            <a:spLocks noGrp="1"/>
+          </p:cNvSpPr>
+          <p:nvPr>
+            <p:ph type="title"/>
+          </p:nvPr>
+        </p:nvSpPr>
+        <p:spPr/>
+        <p:txBody>
+          <a:bodyPr/>
+          <a:lstStyle/>
+          <a:p>
+            <a:r>
+              <a:rPr lang="en-ZA" dirty="0"/>
+              <a:t>Rest - </a:t>
+            </a:r>
+            <a:r>
+              <a:rPr lang="en-ZA" dirty="0" err="1"/>
+              <a:t>api</a:t>
+            </a:r>
+            <a:endParaRPr lang="en-ZA" dirty="0"/>
+          </a:p>
+        </p:txBody>
+      </p:sp>
+      <p:graphicFrame>
+        <p:nvGraphicFramePr>
+          <p:cNvPr id="4" name="Table 4">
+            <a:extLst>
+              <a:ext uri="{FF2B5EF4-FFF2-40B4-BE49-F238E27FC236}">
+                <a16:creationId xmlns:a16="http://schemas.microsoft.com/office/drawing/2014/main" id="{54AD7BF4-58F3-4649-A796-A6758DA9F5E8}"/>
+              </a:ext>
+            </a:extLst>
+          </p:cNvPr>
+          <p:cNvGraphicFramePr>
+            <a:graphicFrameLocks noGrp="1"/>
+          </p:cNvGraphicFramePr>
+          <p:nvPr>
+            <p:ph idx="1"/>
+            <p:extLst>
+              <p:ext uri="{D42A27DB-BD31-4B8C-83A1-F6EECF244321}">
+                <p14:modId xmlns:p14="http://schemas.microsoft.com/office/powerpoint/2010/main" val="3180278280"/>
+              </p:ext>
+            </p:extLst>
+          </p:nvPr>
+        </p:nvGraphicFramePr>
+        <p:xfrm>
+          <a:off x="838200" y="1825625"/>
+          <a:ext cx="10515597" cy="4516120"/>
+        </p:xfrm>
+        <a:graphic>
+          <a:graphicData uri="http://schemas.openxmlformats.org/drawingml/2006/table">
+            <a:tbl>
+              <a:tblPr firstRow="1" bandRow="1">
+                <a:tableStyleId>{5C22544A-7EE6-4342-B048-85BDC9FD1C3A}</a:tableStyleId>
+              </a:tblPr>
+              <a:tblGrid>
+                <a:gridCol w="3505199">
+                  <a:extLst>
+                    <a:ext uri="{9D8B030D-6E8A-4147-A177-3AD203B41FA5}">
+                      <a16:colId xmlns:a16="http://schemas.microsoft.com/office/drawing/2014/main" val="1044159"/>
+                    </a:ext>
+                  </a:extLst>
+                </a:gridCol>
+                <a:gridCol w="1699592">
+                  <a:extLst>
+                    <a:ext uri="{9D8B030D-6E8A-4147-A177-3AD203B41FA5}">
+                      <a16:colId xmlns:a16="http://schemas.microsoft.com/office/drawing/2014/main" val="466718618"/>
+                    </a:ext>
+                  </a:extLst>
+                </a:gridCol>
+                <a:gridCol w="5310806">
+                  <a:extLst>
+                    <a:ext uri="{9D8B030D-6E8A-4147-A177-3AD203B41FA5}">
+                      <a16:colId xmlns:a16="http://schemas.microsoft.com/office/drawing/2014/main" val="959166156"/>
+                    </a:ext>
+                  </a:extLst>
+                </a:gridCol>
+              </a:tblGrid>
+              <a:tr h="370840">
+                <a:tc>
+                  <a:txBody>
+                    <a:bodyPr/>
+                    <a:lstStyle/>
+                    <a:p>
+                      <a:r>
+                        <a:rPr lang="en-ZA" dirty="0"/>
+                        <a:t>/</a:t>
+                      </a:r>
+                    </a:p>
+                  </a:txBody>
+                  <a:tcPr/>
+                </a:tc>
+                <a:tc>
+                  <a:txBody>
+                    <a:bodyPr/>
+                    <a:lstStyle/>
+                    <a:p>
+                      <a:r>
+                        <a:rPr lang="en-ZA" dirty="0"/>
+                        <a:t>GET</a:t>
+                      </a:r>
+                    </a:p>
+                  </a:txBody>
+                  <a:tcPr/>
+                </a:tc>
+                <a:tc>
+                  <a:txBody>
+                    <a:bodyPr/>
+                    <a:lstStyle/>
+                    <a:p>
+                      <a:r>
+                        <a:rPr lang="en-ZA" dirty="0"/>
+                        <a:t>List of </a:t>
+                      </a:r>
+                      <a:r>
+                        <a:rPr lang="en-ZA" dirty="0" err="1"/>
+                        <a:t>api</a:t>
+                      </a:r>
+                      <a:endParaRPr lang="en-ZA" dirty="0"/>
+                    </a:p>
+                  </a:txBody>
+                  <a:tcPr/>
+                </a:tc>
+                <a:extLst>
+                  <a:ext uri="{0D108BD9-81ED-4DB2-BD59-A6C34878D82A}">
+                    <a16:rowId xmlns:a16="http://schemas.microsoft.com/office/drawing/2014/main" val="3830311497"/>
+                  </a:ext>
+                </a:extLst>
+              </a:tr>
+              <a:tr h="370840">
+                <a:tc>
+                  <a:txBody>
+                    <a:bodyPr/>
+                    <a:lstStyle/>
+                    <a:p>
+                      <a:endParaRPr lang="en-ZA" dirty="0"/>
+                    </a:p>
+                  </a:txBody>
+                  <a:tcPr/>
+                </a:tc>
+                <a:tc>
+                  <a:txBody>
+                    <a:bodyPr/>
+                    <a:lstStyle/>
+                    <a:p>
+                      <a:endParaRPr lang="en-ZA" dirty="0"/>
+                    </a:p>
+                  </a:txBody>
+                  <a:tcPr/>
+                </a:tc>
+                <a:tc>
+                  <a:txBody>
+                    <a:bodyPr/>
+                    <a:lstStyle/>
+                    <a:p>
+                      <a:endParaRPr lang="en-ZA" dirty="0"/>
+                    </a:p>
+                  </a:txBody>
+                  <a:tcPr/>
+                </a:tc>
+                <a:extLst>
+                  <a:ext uri="{0D108BD9-81ED-4DB2-BD59-A6C34878D82A}">
+                    <a16:rowId xmlns:a16="http://schemas.microsoft.com/office/drawing/2014/main" val="3143005437"/>
+                  </a:ext>
+                </a:extLst>
+              </a:tr>
+              <a:tr h="370840">
+                <a:tc>
+                  <a:txBody>
+                    <a:bodyPr/>
+                    <a:lstStyle/>
+                    <a:p>
+                      <a:r>
+                        <a:rPr lang="en-ZA" dirty="0"/>
+                        <a:t>/stations</a:t>
+                      </a:r>
+                    </a:p>
+                  </a:txBody>
+                  <a:tcPr/>
+                </a:tc>
+                <a:tc>
+                  <a:txBody>
+                    <a:bodyPr/>
+                    <a:lstStyle/>
+                    <a:p>
+                      <a:r>
+                        <a:rPr lang="en-ZA" dirty="0"/>
+                        <a:t>GET</a:t>
+                      </a:r>
+                    </a:p>
+                  </a:txBody>
+                  <a:tcPr/>
+                </a:tc>
+                <a:tc>
+                  <a:txBody>
+                    <a:bodyPr/>
+                    <a:lstStyle/>
+                    <a:p>
+                      <a:r>
+                        <a:rPr lang="en-ZA" dirty="0"/>
+                        <a:t>Stations Detail</a:t>
+                      </a:r>
+                    </a:p>
+                  </a:txBody>
+                  <a:tcPr/>
+                </a:tc>
+                <a:extLst>
+                  <a:ext uri="{0D108BD9-81ED-4DB2-BD59-A6C34878D82A}">
+                    <a16:rowId xmlns:a16="http://schemas.microsoft.com/office/drawing/2014/main" val="1010467888"/>
+                  </a:ext>
+                </a:extLst>
+              </a:tr>
+              <a:tr h="370840">
+                <a:tc>
+                  <a:txBody>
+                    <a:bodyPr/>
+                    <a:lstStyle/>
+                    <a:p>
+                      <a:r>
+                        <a:rPr lang="en-ZA" dirty="0"/>
+                        <a:t>/stations/&lt;station name&gt;</a:t>
+                      </a:r>
+                    </a:p>
+                  </a:txBody>
+                  <a:tcPr/>
+                </a:tc>
+                <a:tc>
+                  <a:txBody>
+                    <a:bodyPr/>
+                    <a:lstStyle/>
+                    <a:p>
+                      <a:r>
+                        <a:rPr lang="en-ZA" dirty="0"/>
+                        <a:t>GET/PUSH/PUT/DELETE</a:t>
+                      </a:r>
+                    </a:p>
+                  </a:txBody>
+                  <a:tcPr/>
+                </a:tc>
+                <a:tc>
+                  <a:txBody>
+                    <a:bodyPr/>
+                    <a:lstStyle/>
+                    <a:p>
+                      <a:r>
+                        <a:rPr lang="en-ZA" dirty="0"/>
+                        <a:t>Station Detail get/insert/update/delete</a:t>
+                      </a:r>
+                    </a:p>
+                  </a:txBody>
+                  <a:tcPr/>
+                </a:tc>
+                <a:extLst>
+                  <a:ext uri="{0D108BD9-81ED-4DB2-BD59-A6C34878D82A}">
+                    <a16:rowId xmlns:a16="http://schemas.microsoft.com/office/drawing/2014/main" val="453048143"/>
+                  </a:ext>
+                </a:extLst>
+              </a:tr>
+              <a:tr h="370840">
+                <a:tc>
+                  <a:txBody>
+                    <a:bodyPr/>
+                    <a:lstStyle/>
+                    <a:p>
+                      <a:endParaRPr lang="en-ZA" dirty="0"/>
+                    </a:p>
+                  </a:txBody>
+                  <a:tcPr/>
+                </a:tc>
+                <a:tc>
+                  <a:txBody>
+                    <a:bodyPr/>
+                    <a:lstStyle/>
+                    <a:p>
+                      <a:endParaRPr lang="en-ZA" dirty="0"/>
+                    </a:p>
+                  </a:txBody>
+                  <a:tcPr/>
+                </a:tc>
+                <a:tc>
+                  <a:txBody>
+                    <a:bodyPr/>
+                    <a:lstStyle/>
+                    <a:p>
+                      <a:endParaRPr lang="en-ZA" dirty="0"/>
+                    </a:p>
+                  </a:txBody>
+                  <a:tcPr/>
+                </a:tc>
+                <a:extLst>
+                  <a:ext uri="{0D108BD9-81ED-4DB2-BD59-A6C34878D82A}">
+                    <a16:rowId xmlns:a16="http://schemas.microsoft.com/office/drawing/2014/main" val="2389297164"/>
+                  </a:ext>
+                </a:extLst>
+              </a:tr>
+              <a:tr h="370840">
+                <a:tc>
+                  <a:txBody>
+                    <a:bodyPr/>
+                    <a:lstStyle/>
+                    <a:p>
+                      <a:r>
+                        <a:rPr lang="en-ZA" dirty="0"/>
+                        <a:t>/tags</a:t>
+                      </a:r>
+                    </a:p>
+                  </a:txBody>
+                  <a:tcPr/>
+                </a:tc>
+                <a:tc>
+                  <a:txBody>
+                    <a:bodyPr/>
+                    <a:lstStyle/>
+                    <a:p>
+                      <a:r>
+                        <a:rPr lang="en-ZA" dirty="0"/>
+                        <a:t>GET</a:t>
+                      </a:r>
+                    </a:p>
+                  </a:txBody>
+                  <a:tcPr/>
+                </a:tc>
+                <a:tc>
+                  <a:txBody>
+                    <a:bodyPr/>
+                    <a:lstStyle/>
+                    <a:p>
+                      <a:r>
+                        <a:rPr lang="en-ZA" dirty="0"/>
+                        <a:t>Tags Details</a:t>
+                      </a:r>
+                    </a:p>
+                  </a:txBody>
+                  <a:tcPr/>
+                </a:tc>
+                <a:extLst>
+                  <a:ext uri="{0D108BD9-81ED-4DB2-BD59-A6C34878D82A}">
+                    <a16:rowId xmlns:a16="http://schemas.microsoft.com/office/drawing/2014/main" val="1662342829"/>
+                  </a:ext>
+                </a:extLst>
+              </a:tr>
+              <a:tr h="370840">
+                <a:tc>
+                  <a:txBody>
+                    <a:bodyPr/>
+                    <a:lstStyle/>
+                    <a:p>
+                      <a:r>
+                        <a:rPr lang="en-ZA" dirty="0"/>
+                        <a:t>/tags/&lt;tag &gt;</a:t>
+                      </a:r>
+                    </a:p>
+                  </a:txBody>
+                  <a:tcPr/>
+                </a:tc>
+                <a:tc>
+                  <a:txBody>
+                    <a:bodyPr/>
+                    <a:lstStyle/>
+                    <a:p>
+                      <a:r>
+                        <a:rPr lang="en-ZA" dirty="0"/>
+                        <a:t>GET/PUSH/PUT/DELETE</a:t>
+                      </a:r>
+                    </a:p>
+                  </a:txBody>
+                  <a:tcPr/>
+                </a:tc>
+                <a:tc>
+                  <a:txBody>
+                    <a:bodyPr/>
+                    <a:lstStyle/>
+                    <a:p>
+                      <a:r>
+                        <a:rPr lang="en-ZA" dirty="0"/>
+                        <a:t>Tag Detail get/insert/update/delete</a:t>
+                      </a:r>
+                    </a:p>
+                  </a:txBody>
+                  <a:tcPr/>
+                </a:tc>
+                <a:extLst>
+                  <a:ext uri="{0D108BD9-81ED-4DB2-BD59-A6C34878D82A}">
+                    <a16:rowId xmlns:a16="http://schemas.microsoft.com/office/drawing/2014/main" val="1178645637"/>
+                  </a:ext>
+                </a:extLst>
+              </a:tr>
+              <a:tr h="370840">
+                <a:tc>
+                  <a:txBody>
+                    <a:bodyPr/>
+                    <a:lstStyle/>
+                    <a:p>
+                      <a:endParaRPr lang="en-ZA" dirty="0"/>
+                    </a:p>
+                  </a:txBody>
+                  <a:tcPr/>
+                </a:tc>
+                <a:tc>
+                  <a:txBody>
+                    <a:bodyPr/>
+                    <a:lstStyle/>
+                    <a:p>
+                      <a:endParaRPr lang="en-ZA" dirty="0"/>
+                    </a:p>
+                  </a:txBody>
+                  <a:tcPr/>
+                </a:tc>
+                <a:tc>
+                  <a:txBody>
+                    <a:bodyPr/>
+                    <a:lstStyle/>
+                    <a:p>
+                      <a:endParaRPr lang="en-ZA" dirty="0"/>
+                    </a:p>
+                  </a:txBody>
+                  <a:tcPr/>
+                </a:tc>
+                <a:extLst>
+                  <a:ext uri="{0D108BD9-81ED-4DB2-BD59-A6C34878D82A}">
+                    <a16:rowId xmlns:a16="http://schemas.microsoft.com/office/drawing/2014/main" val="1886961528"/>
+                  </a:ext>
+                </a:extLst>
+              </a:tr>
+              <a:tr h="370840">
+                <a:tc>
+                  <a:txBody>
+                    <a:bodyPr/>
+                    <a:lstStyle/>
+                    <a:p>
+                      <a:r>
+                        <a:rPr lang="en-ZA" dirty="0"/>
+                        <a:t>/user</a:t>
+                      </a:r>
+                    </a:p>
+                  </a:txBody>
+                  <a:tcPr/>
+                </a:tc>
+                <a:tc>
+                  <a:txBody>
+                    <a:bodyPr/>
+                    <a:lstStyle/>
+                    <a:p>
+                      <a:r>
+                        <a:rPr lang="en-ZA" dirty="0"/>
+                        <a:t>GET</a:t>
+                      </a:r>
+                    </a:p>
+                  </a:txBody>
+                  <a:tcPr/>
+                </a:tc>
+                <a:tc>
+                  <a:txBody>
+                    <a:bodyPr/>
+                    <a:lstStyle/>
+                    <a:p>
+                      <a:r>
+                        <a:rPr lang="en-ZA" dirty="0"/>
+                        <a:t>User Detail</a:t>
+                      </a:r>
+                    </a:p>
+                  </a:txBody>
+                  <a:tcPr/>
+                </a:tc>
+                <a:extLst>
+                  <a:ext uri="{0D108BD9-81ED-4DB2-BD59-A6C34878D82A}">
+                    <a16:rowId xmlns:a16="http://schemas.microsoft.com/office/drawing/2014/main" val="596168473"/>
+                  </a:ext>
+                </a:extLst>
+              </a:tr>
+              <a:tr h="370840">
+                <a:tc>
+                  <a:txBody>
+                    <a:bodyPr/>
+                    <a:lstStyle/>
+                    <a:p>
+                      <a:r>
+                        <a:rPr lang="en-ZA" dirty="0"/>
+                        <a:t>/user/&lt;user&gt;</a:t>
+                      </a:r>
+                    </a:p>
+                  </a:txBody>
+                  <a:tcPr/>
+                </a:tc>
+                <a:tc>
+                  <a:txBody>
+                    <a:bodyPr/>
+                    <a:lstStyle/>
+                    <a:p>
+                      <a:r>
+                        <a:rPr lang="en-ZA" dirty="0"/>
+                        <a:t>GET/PUSH/PUT/DELETE</a:t>
+                      </a:r>
+                    </a:p>
+                  </a:txBody>
+                  <a:tcPr/>
+                </a:tc>
+                <a:tc>
+                  <a:txBody>
+                    <a:bodyPr/>
+                    <a:lstStyle/>
+                    <a:p>
+                      <a:r>
+                        <a:rPr lang="en-ZA" dirty="0"/>
+                        <a:t>User Detail get/insert/update/delete</a:t>
+                      </a:r>
+                    </a:p>
+                  </a:txBody>
+                  <a:tcPr/>
+                </a:tc>
+                <a:extLst>
+                  <a:ext uri="{0D108BD9-81ED-4DB2-BD59-A6C34878D82A}">
+                    <a16:rowId xmlns:a16="http://schemas.microsoft.com/office/drawing/2014/main" val="1694597601"/>
+                  </a:ext>
+                </a:extLst>
+              </a:tr>
+            </a:tbl>
+          </a:graphicData>
+        </a:graphic>
+      </p:graphicFrame>
+    </p:spTree>
+    <p:extLst>
+      <p:ext uri="{BB962C8B-B14F-4D97-AF65-F5344CB8AC3E}">
+        <p14:creationId xmlns:p14="http://schemas.microsoft.com/office/powerpoint/2010/main" val="1700455423"/>
+      </p:ext>
+    </p:extLst>
+  </p:cSld>
+  <p:clrMapOvr>
+    <a:masterClrMapping/>
+  </p:clrMapOvr>
+</p:sld>
+</file>
+
+<file path=ppt/slides/slide12.xml><?xml version="1.0" encoding="utf-8"?>
+<p:sld xmlns:a="http://schemas.openxmlformats.org/drawingml/2006/main" xmlns:r="http://schemas.openxmlformats.org/officeDocument/2006/relationships" xmlns:p="http://schemas.openxmlformats.org/presentationml/2006/main">
+  <p:cSld>
+    <p:spTree>
+      <p:nvGrpSpPr>
+        <p:cNvPr id="1" name=""/>
+        <p:cNvGrpSpPr/>
+        <p:nvPr/>
+      </p:nvGrpSpPr>
+      <p:grpSpPr>
+        <a:xfrm>
+          <a:off x="0" y="0"/>
+          <a:ext cx="0" cy="0"/>
+          <a:chOff x="0" y="0"/>
+          <a:chExt cx="0" cy="0"/>
+        </a:xfrm>
+      </p:grpSpPr>
+      <p:sp>
+        <p:nvSpPr>
           <p:cNvPr id="4" name="TextBox 3">
             <a:extLst>
               <a:ext uri="{FF2B5EF4-FFF2-40B4-BE49-F238E27FC236}">

--- a/Documentation/Planning/wireframe_1.pptx
+++ b/Documentation/Planning/wireframe_1.pptx
@@ -11,12 +11,13 @@
     <p:sldId id="265" r:id="rId5"/>
     <p:sldId id="266" r:id="rId6"/>
     <p:sldId id="256" r:id="rId7"/>
-    <p:sldId id="257" r:id="rId8"/>
-    <p:sldId id="258" r:id="rId9"/>
-    <p:sldId id="259" r:id="rId10"/>
-    <p:sldId id="260" r:id="rId11"/>
-    <p:sldId id="267" r:id="rId12"/>
-    <p:sldId id="261" r:id="rId13"/>
+    <p:sldId id="268" r:id="rId8"/>
+    <p:sldId id="257" r:id="rId9"/>
+    <p:sldId id="258" r:id="rId10"/>
+    <p:sldId id="259" r:id="rId11"/>
+    <p:sldId id="260" r:id="rId12"/>
+    <p:sldId id="267" r:id="rId13"/>
+    <p:sldId id="261" r:id="rId14"/>
   </p:sldIdLst>
   <p:sldSz cx="12192000" cy="6858000"/>
   <p:notesSz cx="6858000" cy="9144000"/>
@@ -284,7 +285,7 @@
           <a:p>
             <a:fld id="{BDD1807A-24FC-4EDA-B875-A70CBA16F5EE}" type="datetimeFigureOut">
               <a:rPr lang="en-ZA" smtClean="0"/>
-              <a:t>2021/10/19</a:t>
+              <a:t>2021/10/30</a:t>
             </a:fld>
             <a:endParaRPr lang="en-ZA"/>
           </a:p>
@@ -484,7 +485,7 @@
           <a:p>
             <a:fld id="{BDD1807A-24FC-4EDA-B875-A70CBA16F5EE}" type="datetimeFigureOut">
               <a:rPr lang="en-ZA" smtClean="0"/>
-              <a:t>2021/10/19</a:t>
+              <a:t>2021/10/30</a:t>
             </a:fld>
             <a:endParaRPr lang="en-ZA"/>
           </a:p>
@@ -694,7 +695,7 @@
           <a:p>
             <a:fld id="{BDD1807A-24FC-4EDA-B875-A70CBA16F5EE}" type="datetimeFigureOut">
               <a:rPr lang="en-ZA" smtClean="0"/>
-              <a:t>2021/10/19</a:t>
+              <a:t>2021/10/30</a:t>
             </a:fld>
             <a:endParaRPr lang="en-ZA"/>
           </a:p>
@@ -894,7 +895,7 @@
           <a:p>
             <a:fld id="{BDD1807A-24FC-4EDA-B875-A70CBA16F5EE}" type="datetimeFigureOut">
               <a:rPr lang="en-ZA" smtClean="0"/>
-              <a:t>2021/10/19</a:t>
+              <a:t>2021/10/30</a:t>
             </a:fld>
             <a:endParaRPr lang="en-ZA"/>
           </a:p>
@@ -1170,7 +1171,7 @@
           <a:p>
             <a:fld id="{BDD1807A-24FC-4EDA-B875-A70CBA16F5EE}" type="datetimeFigureOut">
               <a:rPr lang="en-ZA" smtClean="0"/>
-              <a:t>2021/10/19</a:t>
+              <a:t>2021/10/30</a:t>
             </a:fld>
             <a:endParaRPr lang="en-ZA"/>
           </a:p>
@@ -1438,7 +1439,7 @@
           <a:p>
             <a:fld id="{BDD1807A-24FC-4EDA-B875-A70CBA16F5EE}" type="datetimeFigureOut">
               <a:rPr lang="en-ZA" smtClean="0"/>
-              <a:t>2021/10/19</a:t>
+              <a:t>2021/10/30</a:t>
             </a:fld>
             <a:endParaRPr lang="en-ZA"/>
           </a:p>
@@ -1853,7 +1854,7 @@
           <a:p>
             <a:fld id="{BDD1807A-24FC-4EDA-B875-A70CBA16F5EE}" type="datetimeFigureOut">
               <a:rPr lang="en-ZA" smtClean="0"/>
-              <a:t>2021/10/19</a:t>
+              <a:t>2021/10/30</a:t>
             </a:fld>
             <a:endParaRPr lang="en-ZA"/>
           </a:p>
@@ -1995,7 +1996,7 @@
           <a:p>
             <a:fld id="{BDD1807A-24FC-4EDA-B875-A70CBA16F5EE}" type="datetimeFigureOut">
               <a:rPr lang="en-ZA" smtClean="0"/>
-              <a:t>2021/10/19</a:t>
+              <a:t>2021/10/30</a:t>
             </a:fld>
             <a:endParaRPr lang="en-ZA"/>
           </a:p>
@@ -2108,7 +2109,7 @@
           <a:p>
             <a:fld id="{BDD1807A-24FC-4EDA-B875-A70CBA16F5EE}" type="datetimeFigureOut">
               <a:rPr lang="en-ZA" smtClean="0"/>
-              <a:t>2021/10/19</a:t>
+              <a:t>2021/10/30</a:t>
             </a:fld>
             <a:endParaRPr lang="en-ZA"/>
           </a:p>
@@ -2421,7 +2422,7 @@
           <a:p>
             <a:fld id="{BDD1807A-24FC-4EDA-B875-A70CBA16F5EE}" type="datetimeFigureOut">
               <a:rPr lang="en-ZA" smtClean="0"/>
-              <a:t>2021/10/19</a:t>
+              <a:t>2021/10/30</a:t>
             </a:fld>
             <a:endParaRPr lang="en-ZA"/>
           </a:p>
@@ -2710,7 +2711,7 @@
           <a:p>
             <a:fld id="{BDD1807A-24FC-4EDA-B875-A70CBA16F5EE}" type="datetimeFigureOut">
               <a:rPr lang="en-ZA" smtClean="0"/>
-              <a:t>2021/10/19</a:t>
+              <a:t>2021/10/30</a:t>
             </a:fld>
             <a:endParaRPr lang="en-ZA"/>
           </a:p>
@@ -2953,7 +2954,7 @@
           <a:p>
             <a:fld id="{BDD1807A-24FC-4EDA-B875-A70CBA16F5EE}" type="datetimeFigureOut">
               <a:rPr lang="en-ZA" smtClean="0"/>
-              <a:t>2021/10/19</a:t>
+              <a:t>2021/10/30</a:t>
             </a:fld>
             <a:endParaRPr lang="en-ZA"/>
           </a:p>
@@ -3770,6 +3771,559 @@
       </p:grpSpPr>
       <p:sp>
         <p:nvSpPr>
+          <p:cNvPr id="6" name="TextBox 5">
+            <a:extLst>
+              <a:ext uri="{FF2B5EF4-FFF2-40B4-BE49-F238E27FC236}">
+                <a16:creationId xmlns:a16="http://schemas.microsoft.com/office/drawing/2014/main" id="{4561970F-161A-46A8-8700-112A51EE95E2}"/>
+              </a:ext>
+            </a:extLst>
+          </p:cNvPr>
+          <p:cNvSpPr txBox="1"/>
+          <p:nvPr/>
+        </p:nvSpPr>
+        <p:spPr>
+          <a:xfrm>
+            <a:off x="2499360" y="461554"/>
+            <a:ext cx="4955177" cy="369332"/>
+          </a:xfrm>
+          <a:prstGeom prst="rect">
+            <a:avLst/>
+          </a:prstGeom>
+          <a:noFill/>
+        </p:spPr>
+        <p:txBody>
+          <a:bodyPr wrap="square" rtlCol="0">
+            <a:spAutoFit/>
+          </a:bodyPr>
+          <a:lstStyle/>
+          <a:p>
+            <a:r>
+              <a:rPr lang="en-ZA" dirty="0"/>
+              <a:t>Missing Sock </a:t>
+            </a:r>
+          </a:p>
+        </p:txBody>
+      </p:sp>
+      <p:sp>
+        <p:nvSpPr>
+          <p:cNvPr id="7" name="Rectangle: Rounded Corners 6">
+            <a:extLst>
+              <a:ext uri="{FF2B5EF4-FFF2-40B4-BE49-F238E27FC236}">
+                <a16:creationId xmlns:a16="http://schemas.microsoft.com/office/drawing/2014/main" id="{5D347914-C50A-4476-9531-34F218A3B248}"/>
+              </a:ext>
+            </a:extLst>
+          </p:cNvPr>
+          <p:cNvSpPr/>
+          <p:nvPr/>
+        </p:nvSpPr>
+        <p:spPr>
+          <a:xfrm>
+            <a:off x="313509" y="1645920"/>
+            <a:ext cx="966651" cy="252549"/>
+          </a:xfrm>
+          <a:prstGeom prst="roundRect">
+            <a:avLst/>
+          </a:prstGeom>
+          <a:solidFill>
+            <a:schemeClr val="bg1"/>
+          </a:solidFill>
+        </p:spPr>
+        <p:style>
+          <a:lnRef idx="2">
+            <a:schemeClr val="accent1">
+              <a:shade val="50000"/>
+            </a:schemeClr>
+          </a:lnRef>
+          <a:fillRef idx="1">
+            <a:schemeClr val="accent1"/>
+          </a:fillRef>
+          <a:effectRef idx="0">
+            <a:schemeClr val="accent1"/>
+          </a:effectRef>
+          <a:fontRef idx="minor">
+            <a:schemeClr val="lt1"/>
+          </a:fontRef>
+        </p:style>
+        <p:txBody>
+          <a:bodyPr rtlCol="0" anchor="ctr"/>
+          <a:lstStyle/>
+          <a:p>
+            <a:pPr algn="ctr"/>
+            <a:r>
+              <a:rPr lang="en-ZA" sz="900" dirty="0">
+                <a:solidFill>
+                  <a:schemeClr val="tx1"/>
+                </a:solidFill>
+              </a:rPr>
+              <a:t>Tag - Current</a:t>
+            </a:r>
+          </a:p>
+        </p:txBody>
+      </p:sp>
+      <p:sp>
+        <p:nvSpPr>
+          <p:cNvPr id="8" name="Rectangle: Rounded Corners 7">
+            <a:extLst>
+              <a:ext uri="{FF2B5EF4-FFF2-40B4-BE49-F238E27FC236}">
+                <a16:creationId xmlns:a16="http://schemas.microsoft.com/office/drawing/2014/main" id="{27671DE8-2725-486D-ACD5-C5DAD40A75F9}"/>
+              </a:ext>
+            </a:extLst>
+          </p:cNvPr>
+          <p:cNvSpPr/>
+          <p:nvPr/>
+        </p:nvSpPr>
+        <p:spPr>
+          <a:xfrm>
+            <a:off x="313509" y="2052487"/>
+            <a:ext cx="966651" cy="252549"/>
+          </a:xfrm>
+          <a:prstGeom prst="roundRect">
+            <a:avLst/>
+          </a:prstGeom>
+          <a:solidFill>
+            <a:schemeClr val="bg1"/>
+          </a:solidFill>
+        </p:spPr>
+        <p:style>
+          <a:lnRef idx="2">
+            <a:schemeClr val="accent1">
+              <a:shade val="50000"/>
+            </a:schemeClr>
+          </a:lnRef>
+          <a:fillRef idx="1">
+            <a:schemeClr val="accent1"/>
+          </a:fillRef>
+          <a:effectRef idx="0">
+            <a:schemeClr val="accent1"/>
+          </a:effectRef>
+          <a:fontRef idx="minor">
+            <a:schemeClr val="lt1"/>
+          </a:fontRef>
+        </p:style>
+        <p:txBody>
+          <a:bodyPr rtlCol="0" anchor="ctr"/>
+          <a:lstStyle/>
+          <a:p>
+            <a:pPr algn="ctr"/>
+            <a:r>
+              <a:rPr lang="en-ZA" sz="900" dirty="0">
+                <a:solidFill>
+                  <a:schemeClr val="tx1"/>
+                </a:solidFill>
+              </a:rPr>
+              <a:t>Tag - History</a:t>
+            </a:r>
+          </a:p>
+        </p:txBody>
+      </p:sp>
+      <p:sp>
+        <p:nvSpPr>
+          <p:cNvPr id="9" name="Rectangle: Rounded Corners 8">
+            <a:extLst>
+              <a:ext uri="{FF2B5EF4-FFF2-40B4-BE49-F238E27FC236}">
+                <a16:creationId xmlns:a16="http://schemas.microsoft.com/office/drawing/2014/main" id="{786B0CF5-5939-4592-8E57-92C01F1C3DBF}"/>
+              </a:ext>
+            </a:extLst>
+          </p:cNvPr>
+          <p:cNvSpPr/>
+          <p:nvPr/>
+        </p:nvSpPr>
+        <p:spPr>
+          <a:xfrm>
+            <a:off x="313509" y="2517335"/>
+            <a:ext cx="966651" cy="252549"/>
+          </a:xfrm>
+          <a:prstGeom prst="roundRect">
+            <a:avLst/>
+          </a:prstGeom>
+          <a:solidFill>
+            <a:schemeClr val="bg1"/>
+          </a:solidFill>
+        </p:spPr>
+        <p:style>
+          <a:lnRef idx="2">
+            <a:schemeClr val="accent1">
+              <a:shade val="50000"/>
+            </a:schemeClr>
+          </a:lnRef>
+          <a:fillRef idx="1">
+            <a:schemeClr val="accent1"/>
+          </a:fillRef>
+          <a:effectRef idx="0">
+            <a:schemeClr val="accent1"/>
+          </a:effectRef>
+          <a:fontRef idx="minor">
+            <a:schemeClr val="lt1"/>
+          </a:fontRef>
+        </p:style>
+        <p:txBody>
+          <a:bodyPr rtlCol="0" anchor="ctr"/>
+          <a:lstStyle/>
+          <a:p>
+            <a:pPr algn="ctr"/>
+            <a:r>
+              <a:rPr lang="en-ZA" sz="900" dirty="0">
+                <a:solidFill>
+                  <a:schemeClr val="tx1"/>
+                </a:solidFill>
+              </a:rPr>
+              <a:t>Base - History</a:t>
+            </a:r>
+          </a:p>
+        </p:txBody>
+      </p:sp>
+      <p:sp>
+        <p:nvSpPr>
+          <p:cNvPr id="10" name="Rectangle: Rounded Corners 9">
+            <a:extLst>
+              <a:ext uri="{FF2B5EF4-FFF2-40B4-BE49-F238E27FC236}">
+                <a16:creationId xmlns:a16="http://schemas.microsoft.com/office/drawing/2014/main" id="{D48D834A-BD6B-4CD0-A689-4DA6C258FD58}"/>
+              </a:ext>
+            </a:extLst>
+          </p:cNvPr>
+          <p:cNvSpPr/>
+          <p:nvPr/>
+        </p:nvSpPr>
+        <p:spPr>
+          <a:xfrm>
+            <a:off x="313508" y="2925907"/>
+            <a:ext cx="966651" cy="252549"/>
+          </a:xfrm>
+          <a:prstGeom prst="roundRect">
+            <a:avLst/>
+          </a:prstGeom>
+          <a:solidFill>
+            <a:schemeClr val="bg1"/>
+          </a:solidFill>
+        </p:spPr>
+        <p:style>
+          <a:lnRef idx="2">
+            <a:schemeClr val="accent1">
+              <a:shade val="50000"/>
+            </a:schemeClr>
+          </a:lnRef>
+          <a:fillRef idx="1">
+            <a:schemeClr val="accent1"/>
+          </a:fillRef>
+          <a:effectRef idx="0">
+            <a:schemeClr val="accent1"/>
+          </a:effectRef>
+          <a:fontRef idx="minor">
+            <a:schemeClr val="lt1"/>
+          </a:fontRef>
+        </p:style>
+        <p:txBody>
+          <a:bodyPr rtlCol="0" anchor="ctr"/>
+          <a:lstStyle/>
+          <a:p>
+            <a:pPr algn="ctr"/>
+            <a:r>
+              <a:rPr lang="en-ZA" sz="900" dirty="0">
+                <a:solidFill>
+                  <a:schemeClr val="tx1"/>
+                </a:solidFill>
+              </a:rPr>
+              <a:t>Settings</a:t>
+            </a:r>
+          </a:p>
+        </p:txBody>
+      </p:sp>
+      <p:sp>
+        <p:nvSpPr>
+          <p:cNvPr id="31" name="Star: 7 Points 30">
+            <a:extLst>
+              <a:ext uri="{FF2B5EF4-FFF2-40B4-BE49-F238E27FC236}">
+                <a16:creationId xmlns:a16="http://schemas.microsoft.com/office/drawing/2014/main" id="{6BC47AE9-2A1E-4789-A68B-C791350F47AF}"/>
+              </a:ext>
+            </a:extLst>
+          </p:cNvPr>
+          <p:cNvSpPr/>
+          <p:nvPr/>
+        </p:nvSpPr>
+        <p:spPr>
+          <a:xfrm>
+            <a:off x="942481" y="2885638"/>
+            <a:ext cx="216132" cy="252549"/>
+          </a:xfrm>
+          <a:prstGeom prst="star7">
+            <a:avLst/>
+          </a:prstGeom>
+          <a:solidFill>
+            <a:srgbClr val="FFFF00"/>
+          </a:solidFill>
+        </p:spPr>
+        <p:style>
+          <a:lnRef idx="2">
+            <a:schemeClr val="accent1">
+              <a:shade val="50000"/>
+            </a:schemeClr>
+          </a:lnRef>
+          <a:fillRef idx="1">
+            <a:schemeClr val="accent1"/>
+          </a:fillRef>
+          <a:effectRef idx="0">
+            <a:schemeClr val="accent1"/>
+          </a:effectRef>
+          <a:fontRef idx="minor">
+            <a:schemeClr val="lt1"/>
+          </a:fontRef>
+        </p:style>
+        <p:txBody>
+          <a:bodyPr rtlCol="0" anchor="ctr"/>
+          <a:lstStyle/>
+          <a:p>
+            <a:pPr algn="ctr"/>
+            <a:endParaRPr lang="en-ZA"/>
+          </a:p>
+        </p:txBody>
+      </p:sp>
+      <p:sp>
+        <p:nvSpPr>
+          <p:cNvPr id="40" name="Rectangle: Rounded Corners 39">
+            <a:extLst>
+              <a:ext uri="{FF2B5EF4-FFF2-40B4-BE49-F238E27FC236}">
+                <a16:creationId xmlns:a16="http://schemas.microsoft.com/office/drawing/2014/main" id="{035D775F-3958-4D7C-8E45-D5C3B9C71B4C}"/>
+              </a:ext>
+            </a:extLst>
+          </p:cNvPr>
+          <p:cNvSpPr/>
+          <p:nvPr/>
+        </p:nvSpPr>
+        <p:spPr>
+          <a:xfrm>
+            <a:off x="3152548" y="1647749"/>
+            <a:ext cx="966651" cy="252549"/>
+          </a:xfrm>
+          <a:prstGeom prst="roundRect">
+            <a:avLst/>
+          </a:prstGeom>
+          <a:solidFill>
+            <a:schemeClr val="bg1"/>
+          </a:solidFill>
+        </p:spPr>
+        <p:style>
+          <a:lnRef idx="2">
+            <a:schemeClr val="accent1">
+              <a:shade val="50000"/>
+            </a:schemeClr>
+          </a:lnRef>
+          <a:fillRef idx="1">
+            <a:schemeClr val="accent1"/>
+          </a:fillRef>
+          <a:effectRef idx="0">
+            <a:schemeClr val="accent1"/>
+          </a:effectRef>
+          <a:fontRef idx="minor">
+            <a:schemeClr val="lt1"/>
+          </a:fontRef>
+        </p:style>
+        <p:txBody>
+          <a:bodyPr rtlCol="0" anchor="ctr"/>
+          <a:lstStyle/>
+          <a:p>
+            <a:pPr algn="ctr"/>
+            <a:r>
+              <a:rPr lang="en-ZA" sz="900" dirty="0">
+                <a:solidFill>
+                  <a:schemeClr val="tx1"/>
+                </a:solidFill>
+              </a:rPr>
+              <a:t>Base </a:t>
+            </a:r>
+          </a:p>
+        </p:txBody>
+      </p:sp>
+      <p:sp>
+        <p:nvSpPr>
+          <p:cNvPr id="41" name="Rectangle: Rounded Corners 40">
+            <a:extLst>
+              <a:ext uri="{FF2B5EF4-FFF2-40B4-BE49-F238E27FC236}">
+                <a16:creationId xmlns:a16="http://schemas.microsoft.com/office/drawing/2014/main" id="{5CC108FF-55BA-4FA6-86C6-6D73B7913FA1}"/>
+              </a:ext>
+            </a:extLst>
+          </p:cNvPr>
+          <p:cNvSpPr/>
+          <p:nvPr/>
+        </p:nvSpPr>
+        <p:spPr>
+          <a:xfrm>
+            <a:off x="3152547" y="2054316"/>
+            <a:ext cx="966651" cy="252549"/>
+          </a:xfrm>
+          <a:prstGeom prst="roundRect">
+            <a:avLst/>
+          </a:prstGeom>
+          <a:solidFill>
+            <a:schemeClr val="bg1"/>
+          </a:solidFill>
+        </p:spPr>
+        <p:style>
+          <a:lnRef idx="2">
+            <a:schemeClr val="accent1">
+              <a:shade val="50000"/>
+            </a:schemeClr>
+          </a:lnRef>
+          <a:fillRef idx="1">
+            <a:schemeClr val="accent1"/>
+          </a:fillRef>
+          <a:effectRef idx="0">
+            <a:schemeClr val="accent1"/>
+          </a:effectRef>
+          <a:fontRef idx="minor">
+            <a:schemeClr val="lt1"/>
+          </a:fontRef>
+        </p:style>
+        <p:txBody>
+          <a:bodyPr rtlCol="0" anchor="ctr"/>
+          <a:lstStyle/>
+          <a:p>
+            <a:pPr algn="ctr"/>
+            <a:r>
+              <a:rPr lang="en-ZA" sz="900" dirty="0">
+                <a:solidFill>
+                  <a:schemeClr val="tx1"/>
+                </a:solidFill>
+              </a:rPr>
+              <a:t>Tag</a:t>
+            </a:r>
+          </a:p>
+        </p:txBody>
+      </p:sp>
+      <p:sp>
+        <p:nvSpPr>
+          <p:cNvPr id="2" name="Callout: Line 1">
+            <a:extLst>
+              <a:ext uri="{FF2B5EF4-FFF2-40B4-BE49-F238E27FC236}">
+                <a16:creationId xmlns:a16="http://schemas.microsoft.com/office/drawing/2014/main" id="{67AAB763-69C7-4D8C-9244-34B80D2D2B3D}"/>
+              </a:ext>
+            </a:extLst>
+          </p:cNvPr>
+          <p:cNvSpPr/>
+          <p:nvPr/>
+        </p:nvSpPr>
+        <p:spPr>
+          <a:xfrm>
+            <a:off x="5571241" y="1470582"/>
+            <a:ext cx="2337847" cy="544198"/>
+          </a:xfrm>
+          <a:prstGeom prst="borderCallout1">
+            <a:avLst/>
+          </a:prstGeom>
+          <a:solidFill>
+            <a:schemeClr val="bg1"/>
+          </a:solidFill>
+        </p:spPr>
+        <p:style>
+          <a:lnRef idx="2">
+            <a:schemeClr val="accent1">
+              <a:shade val="50000"/>
+            </a:schemeClr>
+          </a:lnRef>
+          <a:fillRef idx="1">
+            <a:schemeClr val="accent1"/>
+          </a:fillRef>
+          <a:effectRef idx="0">
+            <a:schemeClr val="accent1"/>
+          </a:effectRef>
+          <a:fontRef idx="minor">
+            <a:schemeClr val="lt1"/>
+          </a:fontRef>
+        </p:style>
+        <p:txBody>
+          <a:bodyPr rtlCol="0" anchor="ctr"/>
+          <a:lstStyle/>
+          <a:p>
+            <a:pPr marL="171450" indent="-171450">
+              <a:buFontTx/>
+              <a:buChar char="-"/>
+            </a:pPr>
+            <a:r>
+              <a:rPr lang="en-ZA" sz="800" dirty="0">
+                <a:solidFill>
+                  <a:schemeClr val="tx1"/>
+                </a:solidFill>
+              </a:rPr>
+              <a:t>Add Nice own name</a:t>
+            </a:r>
+          </a:p>
+          <a:p>
+            <a:pPr marL="171450" indent="-171450">
+              <a:buFontTx/>
+              <a:buChar char="-"/>
+            </a:pPr>
+            <a:r>
+              <a:rPr lang="en-ZA" sz="800" dirty="0">
+                <a:solidFill>
+                  <a:schemeClr val="tx1"/>
+                </a:solidFill>
+              </a:rPr>
+              <a:t>Change Icon (drop down)</a:t>
+            </a:r>
+          </a:p>
+          <a:p>
+            <a:pPr marL="171450" indent="-171450">
+              <a:buFontTx/>
+              <a:buChar char="-"/>
+            </a:pPr>
+            <a:r>
+              <a:rPr lang="en-ZA" sz="800" dirty="0">
+                <a:solidFill>
+                  <a:schemeClr val="tx1"/>
+                </a:solidFill>
+              </a:rPr>
+              <a:t>Change base </a:t>
+            </a:r>
+            <a:r>
+              <a:rPr lang="en-ZA" sz="800" dirty="0" err="1">
+                <a:solidFill>
+                  <a:schemeClr val="tx1"/>
+                </a:solidFill>
+              </a:rPr>
+              <a:t>color</a:t>
+            </a:r>
+            <a:r>
+              <a:rPr lang="en-ZA" sz="800" dirty="0">
+                <a:solidFill>
+                  <a:schemeClr val="tx1"/>
+                </a:solidFill>
+              </a:rPr>
+              <a:t> (drop down)</a:t>
+            </a:r>
+          </a:p>
+        </p:txBody>
+      </p:sp>
+    </p:spTree>
+    <p:extLst>
+      <p:ext uri="{BB962C8B-B14F-4D97-AF65-F5344CB8AC3E}">
+        <p14:creationId xmlns:p14="http://schemas.microsoft.com/office/powerpoint/2010/main" val="724500334"/>
+      </p:ext>
+    </p:extLst>
+  </p:cSld>
+  <p:clrMapOvr>
+    <a:masterClrMapping/>
+  </p:clrMapOvr>
+</p:sld>
+</file>
+
+<file path=ppt/slides/slide11.xml><?xml version="1.0" encoding="utf-8"?>
+<p:sld xmlns:a="http://schemas.openxmlformats.org/drawingml/2006/main" xmlns:r="http://schemas.openxmlformats.org/officeDocument/2006/relationships" xmlns:p="http://schemas.openxmlformats.org/presentationml/2006/main">
+  <p:cSld>
+    <p:spTree>
+      <p:nvGrpSpPr>
+        <p:cNvPr id="1" name=""/>
+        <p:cNvGrpSpPr/>
+        <p:nvPr/>
+      </p:nvGrpSpPr>
+      <p:grpSpPr>
+        <a:xfrm>
+          <a:off x="0" y="0"/>
+          <a:ext cx="0" cy="0"/>
+          <a:chOff x="0" y="0"/>
+          <a:chExt cx="0" cy="0"/>
+        </a:xfrm>
+      </p:grpSpPr>
+      <p:sp>
+        <p:nvSpPr>
           <p:cNvPr id="2" name="Title 1">
             <a:extLst>
               <a:ext uri="{FF2B5EF4-FFF2-40B4-BE49-F238E27FC236}">
@@ -5061,7 +5615,7 @@
 </p:sld>
 </file>
 
-<file path=ppt/slides/slide11.xml><?xml version="1.0" encoding="utf-8"?>
+<file path=ppt/slides/slide12.xml><?xml version="1.0" encoding="utf-8"?>
 <p:sld xmlns:a="http://schemas.openxmlformats.org/drawingml/2006/main" xmlns:r="http://schemas.openxmlformats.org/officeDocument/2006/relationships" xmlns:p="http://schemas.openxmlformats.org/presentationml/2006/main">
   <p:cSld>
     <p:spTree>
@@ -5620,7 +6174,7 @@
 </p:sld>
 </file>
 
-<file path=ppt/slides/slide12.xml><?xml version="1.0" encoding="utf-8"?>
+<file path=ppt/slides/slide13.xml><?xml version="1.0" encoding="utf-8"?>
 <p:sld xmlns:a="http://schemas.openxmlformats.org/drawingml/2006/main" xmlns:r="http://schemas.openxmlformats.org/officeDocument/2006/relationships" xmlns:p="http://schemas.openxmlformats.org/presentationml/2006/main">
   <p:cSld>
     <p:spTree>
@@ -7156,7 +7710,7 @@
         <p:spPr>
           <a:xfrm>
             <a:off x="1475921" y="1153685"/>
-            <a:ext cx="7002053" cy="5069668"/>
+            <a:ext cx="7002053" cy="4637515"/>
           </a:xfrm>
           <a:prstGeom prst="rect">
             <a:avLst/>
@@ -7177,8 +7731,8 @@
         </p:nvSpPr>
         <p:spPr>
           <a:xfrm>
-            <a:off x="2499360" y="461554"/>
-            <a:ext cx="4955177" cy="369332"/>
+            <a:off x="1388225" y="165877"/>
+            <a:ext cx="1449788" cy="400110"/>
           </a:xfrm>
           <a:prstGeom prst="rect">
             <a:avLst/>
@@ -7192,18 +7746,9 @@
           <a:lstStyle/>
           <a:p>
             <a:r>
-              <a:rPr lang="en-ZA"/>
-              <a:t>Missing Sock (1</a:t>
-            </a:r>
-            <a:r>
-              <a:rPr lang="en-ZA" baseline="30000"/>
-              <a:t>st</a:t>
-            </a:r>
-            <a:r>
-              <a:rPr lang="en-ZA"/>
-              <a:t> page) </a:t>
-            </a:r>
-            <a:endParaRPr lang="en-ZA" dirty="0"/>
+              <a:rPr lang="en-ZA" sz="2000" dirty="0"/>
+              <a:t>Dashboard</a:t>
+            </a:r>
           </a:p>
         </p:txBody>
       </p:sp>
@@ -8057,6 +8602,1555 @@
           </a:p>
         </p:txBody>
       </p:sp>
+      <p:sp>
+        <p:nvSpPr>
+          <p:cNvPr id="34" name="Callout: Line 33">
+            <a:extLst>
+              <a:ext uri="{FF2B5EF4-FFF2-40B4-BE49-F238E27FC236}">
+                <a16:creationId xmlns:a16="http://schemas.microsoft.com/office/drawing/2014/main" id="{01627FAB-2B6E-4F42-B136-E73EB6B07D7B}"/>
+              </a:ext>
+            </a:extLst>
+          </p:cNvPr>
+          <p:cNvSpPr/>
+          <p:nvPr/>
+        </p:nvSpPr>
+        <p:spPr>
+          <a:xfrm>
+            <a:off x="5257966" y="1600092"/>
+            <a:ext cx="1114554" cy="528386"/>
+          </a:xfrm>
+          <a:prstGeom prst="borderCallout1">
+            <a:avLst>
+              <a:gd name="adj1" fmla="val 18750"/>
+              <a:gd name="adj2" fmla="val -8333"/>
+              <a:gd name="adj3" fmla="val 51841"/>
+              <a:gd name="adj4" fmla="val -25646"/>
+            </a:avLst>
+          </a:prstGeom>
+          <a:solidFill>
+            <a:schemeClr val="bg1"/>
+          </a:solidFill>
+        </p:spPr>
+        <p:style>
+          <a:lnRef idx="2">
+            <a:schemeClr val="accent1">
+              <a:shade val="50000"/>
+            </a:schemeClr>
+          </a:lnRef>
+          <a:fillRef idx="1">
+            <a:schemeClr val="accent1"/>
+          </a:fillRef>
+          <a:effectRef idx="0">
+            <a:schemeClr val="accent1"/>
+          </a:effectRef>
+          <a:fontRef idx="minor">
+            <a:schemeClr val="lt1"/>
+          </a:fontRef>
+        </p:style>
+        <p:txBody>
+          <a:bodyPr rtlCol="0" anchor="ctr"/>
+          <a:lstStyle/>
+          <a:p>
+            <a:pPr algn="ctr"/>
+            <a:r>
+              <a:rPr lang="en-ZA" sz="800" dirty="0">
+                <a:solidFill>
+                  <a:schemeClr val="tx1"/>
+                </a:solidFill>
+              </a:rPr>
+              <a:t>On mouse over </a:t>
+            </a:r>
+          </a:p>
+          <a:p>
+            <a:pPr algn="ctr"/>
+            <a:r>
+              <a:rPr lang="en-ZA" sz="800" dirty="0">
+                <a:solidFill>
+                  <a:schemeClr val="tx1"/>
+                </a:solidFill>
+              </a:rPr>
+              <a:t>-nice name</a:t>
+            </a:r>
+          </a:p>
+          <a:p>
+            <a:pPr algn="ctr"/>
+            <a:r>
+              <a:rPr lang="en-ZA" sz="800" dirty="0">
+                <a:solidFill>
+                  <a:schemeClr val="tx1"/>
+                </a:solidFill>
+              </a:rPr>
+              <a:t>On click</a:t>
+            </a:r>
+          </a:p>
+          <a:p>
+            <a:pPr algn="ctr"/>
+            <a:r>
+              <a:rPr lang="en-ZA" sz="800" dirty="0">
+                <a:solidFill>
+                  <a:schemeClr val="tx1"/>
+                </a:solidFill>
+              </a:rPr>
+              <a:t>-detail</a:t>
+            </a:r>
+          </a:p>
+        </p:txBody>
+      </p:sp>
+      <p:sp>
+        <p:nvSpPr>
+          <p:cNvPr id="35" name="Callout: Line 34">
+            <a:extLst>
+              <a:ext uri="{FF2B5EF4-FFF2-40B4-BE49-F238E27FC236}">
+                <a16:creationId xmlns:a16="http://schemas.microsoft.com/office/drawing/2014/main" id="{30E7D27D-502E-49DA-9F31-7C747477B2CD}"/>
+              </a:ext>
+            </a:extLst>
+          </p:cNvPr>
+          <p:cNvSpPr/>
+          <p:nvPr/>
+        </p:nvSpPr>
+        <p:spPr>
+          <a:xfrm>
+            <a:off x="7482817" y="4578811"/>
+            <a:ext cx="1114554" cy="528386"/>
+          </a:xfrm>
+          <a:prstGeom prst="borderCallout1">
+            <a:avLst>
+              <a:gd name="adj1" fmla="val 18750"/>
+              <a:gd name="adj2" fmla="val -8333"/>
+              <a:gd name="adj3" fmla="val 51841"/>
+              <a:gd name="adj4" fmla="val -25646"/>
+            </a:avLst>
+          </a:prstGeom>
+          <a:solidFill>
+            <a:schemeClr val="bg1"/>
+          </a:solidFill>
+        </p:spPr>
+        <p:style>
+          <a:lnRef idx="2">
+            <a:schemeClr val="accent1">
+              <a:shade val="50000"/>
+            </a:schemeClr>
+          </a:lnRef>
+          <a:fillRef idx="1">
+            <a:schemeClr val="accent1"/>
+          </a:fillRef>
+          <a:effectRef idx="0">
+            <a:schemeClr val="accent1"/>
+          </a:effectRef>
+          <a:fontRef idx="minor">
+            <a:schemeClr val="lt1"/>
+          </a:fontRef>
+        </p:style>
+        <p:txBody>
+          <a:bodyPr rtlCol="0" anchor="ctr"/>
+          <a:lstStyle/>
+          <a:p>
+            <a:pPr algn="ctr"/>
+            <a:r>
+              <a:rPr lang="en-ZA" sz="800" dirty="0">
+                <a:solidFill>
+                  <a:schemeClr val="tx1"/>
+                </a:solidFill>
+              </a:rPr>
+              <a:t>On mouse over </a:t>
+            </a:r>
+          </a:p>
+          <a:p>
+            <a:pPr algn="ctr"/>
+            <a:r>
+              <a:rPr lang="en-ZA" sz="800" dirty="0">
+                <a:solidFill>
+                  <a:schemeClr val="tx1"/>
+                </a:solidFill>
+              </a:rPr>
+              <a:t>-nice name</a:t>
+            </a:r>
+          </a:p>
+          <a:p>
+            <a:pPr algn="ctr"/>
+            <a:r>
+              <a:rPr lang="en-ZA" sz="800" dirty="0">
+                <a:solidFill>
+                  <a:schemeClr val="tx1"/>
+                </a:solidFill>
+              </a:rPr>
+              <a:t>On click</a:t>
+            </a:r>
+          </a:p>
+          <a:p>
+            <a:pPr algn="ctr"/>
+            <a:r>
+              <a:rPr lang="en-ZA" sz="800" dirty="0">
+                <a:solidFill>
+                  <a:schemeClr val="tx1"/>
+                </a:solidFill>
+              </a:rPr>
+              <a:t>-detail</a:t>
+            </a:r>
+          </a:p>
+        </p:txBody>
+      </p:sp>
+      <p:pic>
+        <p:nvPicPr>
+          <p:cNvPr id="23" name="Picture 22">
+            <a:extLst>
+              <a:ext uri="{FF2B5EF4-FFF2-40B4-BE49-F238E27FC236}">
+                <a16:creationId xmlns:a16="http://schemas.microsoft.com/office/drawing/2014/main" id="{44A02891-6B48-4793-BF1E-F7B52DDC4F52}"/>
+              </a:ext>
+            </a:extLst>
+          </p:cNvPr>
+          <p:cNvPicPr>
+            <a:picLocks noChangeAspect="1"/>
+          </p:cNvPicPr>
+          <p:nvPr/>
+        </p:nvPicPr>
+        <p:blipFill>
+          <a:blip r:embed="rId3"/>
+          <a:stretch>
+            <a:fillRect/>
+          </a:stretch>
+        </p:blipFill>
+        <p:spPr>
+          <a:xfrm>
+            <a:off x="9230940" y="4316752"/>
+            <a:ext cx="2324424" cy="1743318"/>
+          </a:xfrm>
+          <a:prstGeom prst="rect">
+            <a:avLst/>
+          </a:prstGeom>
+        </p:spPr>
+      </p:pic>
+      <p:sp>
+        <p:nvSpPr>
+          <p:cNvPr id="2" name="Rectangle 1">
+            <a:extLst>
+              <a:ext uri="{FF2B5EF4-FFF2-40B4-BE49-F238E27FC236}">
+                <a16:creationId xmlns:a16="http://schemas.microsoft.com/office/drawing/2014/main" id="{93E0E27D-6721-4594-AE49-82D646315719}"/>
+              </a:ext>
+            </a:extLst>
+          </p:cNvPr>
+          <p:cNvSpPr/>
+          <p:nvPr/>
+        </p:nvSpPr>
+        <p:spPr>
+          <a:xfrm>
+            <a:off x="3949148" y="1645920"/>
+            <a:ext cx="4345105" cy="3827228"/>
+          </a:xfrm>
+          <a:prstGeom prst="rect">
+            <a:avLst/>
+          </a:prstGeom>
+          <a:solidFill>
+            <a:schemeClr val="accent1">
+              <a:alpha val="14000"/>
+            </a:schemeClr>
+          </a:solidFill>
+        </p:spPr>
+        <p:style>
+          <a:lnRef idx="2">
+            <a:schemeClr val="accent1">
+              <a:shade val="50000"/>
+            </a:schemeClr>
+          </a:lnRef>
+          <a:fillRef idx="1">
+            <a:schemeClr val="accent1"/>
+          </a:fillRef>
+          <a:effectRef idx="0">
+            <a:schemeClr val="accent1"/>
+          </a:effectRef>
+          <a:fontRef idx="minor">
+            <a:schemeClr val="lt1"/>
+          </a:fontRef>
+        </p:style>
+        <p:txBody>
+          <a:bodyPr rtlCol="0" anchor="ctr"/>
+          <a:lstStyle/>
+          <a:p>
+            <a:pPr algn="ctr"/>
+            <a:endParaRPr lang="en-ZA"/>
+          </a:p>
+        </p:txBody>
+      </p:sp>
+      <p:pic>
+        <p:nvPicPr>
+          <p:cNvPr id="4" name="Graphic 3" descr="Marker outline">
+            <a:extLst>
+              <a:ext uri="{FF2B5EF4-FFF2-40B4-BE49-F238E27FC236}">
+                <a16:creationId xmlns:a16="http://schemas.microsoft.com/office/drawing/2014/main" id="{04132630-0C79-4D4D-9163-5359F5C3A92E}"/>
+              </a:ext>
+            </a:extLst>
+          </p:cNvPr>
+          <p:cNvPicPr>
+            <a:picLocks noChangeAspect="1"/>
+          </p:cNvPicPr>
+          <p:nvPr/>
+        </p:nvPicPr>
+        <p:blipFill>
+          <a:blip r:embed="rId4">
+            <a:extLst>
+              <a:ext uri="{28A0092B-C50C-407E-A947-70E740481C1C}">
+                <a14:useLocalDpi xmlns:a14="http://schemas.microsoft.com/office/drawing/2010/main" val="0"/>
+              </a:ext>
+              <a:ext uri="{96DAC541-7B7A-43D3-8B79-37D633B846F1}">
+                <asvg:svgBlip xmlns:asvg="http://schemas.microsoft.com/office/drawing/2016/SVG/main" r:embed="rId5"/>
+              </a:ext>
+            </a:extLst>
+          </a:blip>
+          <a:stretch>
+            <a:fillRect/>
+          </a:stretch>
+        </p:blipFill>
+        <p:spPr>
+          <a:xfrm>
+            <a:off x="4443239" y="1864285"/>
+            <a:ext cx="424873" cy="424873"/>
+          </a:xfrm>
+          <a:prstGeom prst="rect">
+            <a:avLst/>
+          </a:prstGeom>
+        </p:spPr>
+      </p:pic>
+      <p:pic>
+        <p:nvPicPr>
+          <p:cNvPr id="33" name="Graphic 32" descr="Marker outline">
+            <a:extLst>
+              <a:ext uri="{FF2B5EF4-FFF2-40B4-BE49-F238E27FC236}">
+                <a16:creationId xmlns:a16="http://schemas.microsoft.com/office/drawing/2014/main" id="{C0C1DEC6-90B4-42A6-BC1C-9C71A1499DF4}"/>
+              </a:ext>
+            </a:extLst>
+          </p:cNvPr>
+          <p:cNvPicPr>
+            <a:picLocks noChangeAspect="1"/>
+          </p:cNvPicPr>
+          <p:nvPr/>
+        </p:nvPicPr>
+        <p:blipFill>
+          <a:blip r:embed="rId4">
+            <a:extLst>
+              <a:ext uri="{28A0092B-C50C-407E-A947-70E740481C1C}">
+                <a14:useLocalDpi xmlns:a14="http://schemas.microsoft.com/office/drawing/2010/main" val="0"/>
+              </a:ext>
+              <a:ext uri="{96DAC541-7B7A-43D3-8B79-37D633B846F1}">
+                <asvg:svgBlip xmlns:asvg="http://schemas.microsoft.com/office/drawing/2016/SVG/main" r:embed="rId5"/>
+              </a:ext>
+            </a:extLst>
+          </a:blip>
+          <a:stretch>
+            <a:fillRect/>
+          </a:stretch>
+        </p:blipFill>
+        <p:spPr>
+          <a:xfrm>
+            <a:off x="7242100" y="2906022"/>
+            <a:ext cx="424873" cy="424873"/>
+          </a:xfrm>
+          <a:prstGeom prst="rect">
+            <a:avLst/>
+          </a:prstGeom>
+        </p:spPr>
+      </p:pic>
+      <p:pic>
+        <p:nvPicPr>
+          <p:cNvPr id="36" name="Graphic 35" descr="Marker outline">
+            <a:extLst>
+              <a:ext uri="{FF2B5EF4-FFF2-40B4-BE49-F238E27FC236}">
+                <a16:creationId xmlns:a16="http://schemas.microsoft.com/office/drawing/2014/main" id="{C0CED233-42D0-43FA-9066-0322D95127BD}"/>
+              </a:ext>
+            </a:extLst>
+          </p:cNvPr>
+          <p:cNvPicPr>
+            <a:picLocks noChangeAspect="1"/>
+          </p:cNvPicPr>
+          <p:nvPr/>
+        </p:nvPicPr>
+        <p:blipFill>
+          <a:blip r:embed="rId4">
+            <a:extLst>
+              <a:ext uri="{28A0092B-C50C-407E-A947-70E740481C1C}">
+                <a14:useLocalDpi xmlns:a14="http://schemas.microsoft.com/office/drawing/2010/main" val="0"/>
+              </a:ext>
+              <a:ext uri="{96DAC541-7B7A-43D3-8B79-37D633B846F1}">
+                <asvg:svgBlip xmlns:asvg="http://schemas.microsoft.com/office/drawing/2016/SVG/main" r:embed="rId5"/>
+              </a:ext>
+            </a:extLst>
+          </a:blip>
+          <a:stretch>
+            <a:fillRect/>
+          </a:stretch>
+        </p:blipFill>
+        <p:spPr>
+          <a:xfrm>
+            <a:off x="7900611" y="2278105"/>
+            <a:ext cx="424873" cy="424873"/>
+          </a:xfrm>
+          <a:prstGeom prst="rect">
+            <a:avLst/>
+          </a:prstGeom>
+        </p:spPr>
+      </p:pic>
+      <p:pic>
+        <p:nvPicPr>
+          <p:cNvPr id="37" name="Graphic 36" descr="Marker outline">
+            <a:extLst>
+              <a:ext uri="{FF2B5EF4-FFF2-40B4-BE49-F238E27FC236}">
+                <a16:creationId xmlns:a16="http://schemas.microsoft.com/office/drawing/2014/main" id="{38862A66-3995-422F-A41C-DB525162EACC}"/>
+              </a:ext>
+            </a:extLst>
+          </p:cNvPr>
+          <p:cNvPicPr>
+            <a:picLocks noChangeAspect="1"/>
+          </p:cNvPicPr>
+          <p:nvPr/>
+        </p:nvPicPr>
+        <p:blipFill>
+          <a:blip r:embed="rId4">
+            <a:extLst>
+              <a:ext uri="{28A0092B-C50C-407E-A947-70E740481C1C}">
+                <a14:useLocalDpi xmlns:a14="http://schemas.microsoft.com/office/drawing/2010/main" val="0"/>
+              </a:ext>
+              <a:ext uri="{96DAC541-7B7A-43D3-8B79-37D633B846F1}">
+                <asvg:svgBlip xmlns:asvg="http://schemas.microsoft.com/office/drawing/2016/SVG/main" r:embed="rId5"/>
+              </a:ext>
+            </a:extLst>
+          </a:blip>
+          <a:stretch>
+            <a:fillRect/>
+          </a:stretch>
+        </p:blipFill>
+        <p:spPr>
+          <a:xfrm>
+            <a:off x="6844147" y="4630567"/>
+            <a:ext cx="424873" cy="424873"/>
+          </a:xfrm>
+          <a:prstGeom prst="rect">
+            <a:avLst/>
+          </a:prstGeom>
+        </p:spPr>
+      </p:pic>
+      <p:pic>
+        <p:nvPicPr>
+          <p:cNvPr id="38" name="Picture 37">
+            <a:extLst>
+              <a:ext uri="{FF2B5EF4-FFF2-40B4-BE49-F238E27FC236}">
+                <a16:creationId xmlns:a16="http://schemas.microsoft.com/office/drawing/2014/main" id="{487741E1-05BF-44D3-B1D9-502418E9EF4E}"/>
+              </a:ext>
+            </a:extLst>
+          </p:cNvPr>
+          <p:cNvPicPr>
+            <a:picLocks noChangeAspect="1"/>
+          </p:cNvPicPr>
+          <p:nvPr/>
+        </p:nvPicPr>
+        <p:blipFill>
+          <a:blip r:embed="rId3"/>
+          <a:stretch>
+            <a:fillRect/>
+          </a:stretch>
+        </p:blipFill>
+        <p:spPr>
+          <a:xfrm>
+            <a:off x="9200291" y="1263647"/>
+            <a:ext cx="2324424" cy="1743318"/>
+          </a:xfrm>
+          <a:prstGeom prst="rect">
+            <a:avLst/>
+          </a:prstGeom>
+        </p:spPr>
+      </p:pic>
+      <p:sp>
+        <p:nvSpPr>
+          <p:cNvPr id="39" name="TextBox 38">
+            <a:extLst>
+              <a:ext uri="{FF2B5EF4-FFF2-40B4-BE49-F238E27FC236}">
+                <a16:creationId xmlns:a16="http://schemas.microsoft.com/office/drawing/2014/main" id="{A14B2A30-EEF8-4DCB-B712-1A128D88F350}"/>
+              </a:ext>
+            </a:extLst>
+          </p:cNvPr>
+          <p:cNvSpPr txBox="1"/>
+          <p:nvPr/>
+        </p:nvSpPr>
+        <p:spPr>
+          <a:xfrm>
+            <a:off x="9200290" y="879605"/>
+            <a:ext cx="2324423" cy="369332"/>
+          </a:xfrm>
+          <a:prstGeom prst="rect">
+            <a:avLst/>
+          </a:prstGeom>
+          <a:noFill/>
+        </p:spPr>
+        <p:txBody>
+          <a:bodyPr wrap="square" rtlCol="0">
+            <a:spAutoFit/>
+          </a:bodyPr>
+          <a:lstStyle/>
+          <a:p>
+            <a:r>
+              <a:rPr lang="en-ZA" dirty="0"/>
+              <a:t>Tag not seen</a:t>
+            </a:r>
+          </a:p>
+        </p:txBody>
+      </p:sp>
+      <p:sp>
+        <p:nvSpPr>
+          <p:cNvPr id="40" name="TextBox 39">
+            <a:extLst>
+              <a:ext uri="{FF2B5EF4-FFF2-40B4-BE49-F238E27FC236}">
+                <a16:creationId xmlns:a16="http://schemas.microsoft.com/office/drawing/2014/main" id="{80DB05A7-6694-44BF-81F8-746F030B522B}"/>
+              </a:ext>
+            </a:extLst>
+          </p:cNvPr>
+          <p:cNvSpPr txBox="1"/>
+          <p:nvPr/>
+        </p:nvSpPr>
+        <p:spPr>
+          <a:xfrm>
+            <a:off x="9200291" y="3947420"/>
+            <a:ext cx="2201398" cy="369332"/>
+          </a:xfrm>
+          <a:prstGeom prst="rect">
+            <a:avLst/>
+          </a:prstGeom>
+          <a:noFill/>
+        </p:spPr>
+        <p:txBody>
+          <a:bodyPr wrap="square" rtlCol="0">
+            <a:spAutoFit/>
+          </a:bodyPr>
+          <a:lstStyle/>
+          <a:p>
+            <a:r>
+              <a:rPr lang="en-ZA" dirty="0"/>
+              <a:t>Tag not seen – 1 Day </a:t>
+            </a:r>
+          </a:p>
+        </p:txBody>
+      </p:sp>
+      <p:sp>
+        <p:nvSpPr>
+          <p:cNvPr id="41" name="TextBox 40">
+            <a:extLst>
+              <a:ext uri="{FF2B5EF4-FFF2-40B4-BE49-F238E27FC236}">
+                <a16:creationId xmlns:a16="http://schemas.microsoft.com/office/drawing/2014/main" id="{D75427B9-682D-494F-B637-89AF8B617689}"/>
+              </a:ext>
+            </a:extLst>
+          </p:cNvPr>
+          <p:cNvSpPr txBox="1"/>
+          <p:nvPr/>
+        </p:nvSpPr>
+        <p:spPr>
+          <a:xfrm>
+            <a:off x="1475921" y="784353"/>
+            <a:ext cx="6665931" cy="369332"/>
+          </a:xfrm>
+          <a:prstGeom prst="rect">
+            <a:avLst/>
+          </a:prstGeom>
+          <a:noFill/>
+        </p:spPr>
+        <p:txBody>
+          <a:bodyPr wrap="square" rtlCol="0">
+            <a:spAutoFit/>
+          </a:bodyPr>
+          <a:lstStyle/>
+          <a:p>
+            <a:r>
+              <a:rPr lang="en-ZA" dirty="0"/>
+              <a:t>Latest Tracking</a:t>
+            </a:r>
+          </a:p>
+        </p:txBody>
+      </p:sp>
+      <p:sp>
+        <p:nvSpPr>
+          <p:cNvPr id="42" name="TextBox 41">
+            <a:extLst>
+              <a:ext uri="{FF2B5EF4-FFF2-40B4-BE49-F238E27FC236}">
+                <a16:creationId xmlns:a16="http://schemas.microsoft.com/office/drawing/2014/main" id="{B9F3C401-5761-4DCA-A8A5-093912C1923E}"/>
+              </a:ext>
+            </a:extLst>
+          </p:cNvPr>
+          <p:cNvSpPr txBox="1"/>
+          <p:nvPr/>
+        </p:nvSpPr>
+        <p:spPr>
+          <a:xfrm>
+            <a:off x="1388225" y="5771480"/>
+            <a:ext cx="6665931" cy="369332"/>
+          </a:xfrm>
+          <a:prstGeom prst="rect">
+            <a:avLst/>
+          </a:prstGeom>
+          <a:noFill/>
+        </p:spPr>
+        <p:txBody>
+          <a:bodyPr wrap="square" rtlCol="0">
+            <a:spAutoFit/>
+          </a:bodyPr>
+          <a:lstStyle/>
+          <a:p>
+            <a:r>
+              <a:rPr lang="en-ZA" dirty="0"/>
+              <a:t>last up dated at 2021-11-02  12:23:33</a:t>
+            </a:r>
+          </a:p>
+        </p:txBody>
+      </p:sp>
+    </p:spTree>
+    <p:extLst>
+      <p:ext uri="{BB962C8B-B14F-4D97-AF65-F5344CB8AC3E}">
+        <p14:creationId xmlns:p14="http://schemas.microsoft.com/office/powerpoint/2010/main" val="1316671851"/>
+      </p:ext>
+    </p:extLst>
+  </p:cSld>
+  <p:clrMapOvr>
+    <a:masterClrMapping/>
+  </p:clrMapOvr>
+</p:sld>
+</file>
+
+<file path=ppt/slides/slide7.xml><?xml version="1.0" encoding="utf-8"?>
+<p:sld xmlns:a="http://schemas.openxmlformats.org/drawingml/2006/main" xmlns:r="http://schemas.openxmlformats.org/officeDocument/2006/relationships" xmlns:p="http://schemas.openxmlformats.org/presentationml/2006/main">
+  <p:cSld>
+    <p:spTree>
+      <p:nvGrpSpPr>
+        <p:cNvPr id="1" name=""/>
+        <p:cNvGrpSpPr/>
+        <p:nvPr/>
+      </p:nvGrpSpPr>
+      <p:grpSpPr>
+        <a:xfrm>
+          <a:off x="0" y="0"/>
+          <a:ext cx="0" cy="0"/>
+          <a:chOff x="0" y="0"/>
+          <a:chExt cx="0" cy="0"/>
+        </a:xfrm>
+      </p:grpSpPr>
+      <p:pic>
+        <p:nvPicPr>
+          <p:cNvPr id="5" name="Picture 4">
+            <a:extLst>
+              <a:ext uri="{FF2B5EF4-FFF2-40B4-BE49-F238E27FC236}">
+                <a16:creationId xmlns:a16="http://schemas.microsoft.com/office/drawing/2014/main" id="{F1158FB6-58DE-4E44-A3B2-7F729E02195D}"/>
+              </a:ext>
+            </a:extLst>
+          </p:cNvPr>
+          <p:cNvPicPr>
+            <a:picLocks noChangeAspect="1"/>
+          </p:cNvPicPr>
+          <p:nvPr/>
+        </p:nvPicPr>
+        <p:blipFill>
+          <a:blip r:embed="rId2"/>
+          <a:stretch>
+            <a:fillRect/>
+          </a:stretch>
+        </p:blipFill>
+        <p:spPr>
+          <a:xfrm>
+            <a:off x="1475921" y="1153685"/>
+            <a:ext cx="7002053" cy="5069668"/>
+          </a:xfrm>
+          <a:prstGeom prst="rect">
+            <a:avLst/>
+          </a:prstGeom>
+        </p:spPr>
+      </p:pic>
+      <p:sp>
+        <p:nvSpPr>
+          <p:cNvPr id="6" name="TextBox 5">
+            <a:extLst>
+              <a:ext uri="{FF2B5EF4-FFF2-40B4-BE49-F238E27FC236}">
+                <a16:creationId xmlns:a16="http://schemas.microsoft.com/office/drawing/2014/main" id="{4561970F-161A-46A8-8700-112A51EE95E2}"/>
+              </a:ext>
+            </a:extLst>
+          </p:cNvPr>
+          <p:cNvSpPr txBox="1"/>
+          <p:nvPr/>
+        </p:nvSpPr>
+        <p:spPr>
+          <a:xfrm>
+            <a:off x="2499360" y="461554"/>
+            <a:ext cx="4955177" cy="369332"/>
+          </a:xfrm>
+          <a:prstGeom prst="rect">
+            <a:avLst/>
+          </a:prstGeom>
+          <a:noFill/>
+        </p:spPr>
+        <p:txBody>
+          <a:bodyPr wrap="square" rtlCol="0">
+            <a:spAutoFit/>
+          </a:bodyPr>
+          <a:lstStyle/>
+          <a:p>
+            <a:r>
+              <a:rPr lang="en-ZA"/>
+              <a:t>Missing Sock (1</a:t>
+            </a:r>
+            <a:r>
+              <a:rPr lang="en-ZA" baseline="30000"/>
+              <a:t>st</a:t>
+            </a:r>
+            <a:r>
+              <a:rPr lang="en-ZA"/>
+              <a:t> page) </a:t>
+            </a:r>
+            <a:endParaRPr lang="en-ZA" dirty="0"/>
+          </a:p>
+        </p:txBody>
+      </p:sp>
+      <p:sp>
+        <p:nvSpPr>
+          <p:cNvPr id="7" name="Rectangle: Rounded Corners 6">
+            <a:extLst>
+              <a:ext uri="{FF2B5EF4-FFF2-40B4-BE49-F238E27FC236}">
+                <a16:creationId xmlns:a16="http://schemas.microsoft.com/office/drawing/2014/main" id="{5D347914-C50A-4476-9531-34F218A3B248}"/>
+              </a:ext>
+            </a:extLst>
+          </p:cNvPr>
+          <p:cNvSpPr/>
+          <p:nvPr/>
+        </p:nvSpPr>
+        <p:spPr>
+          <a:xfrm>
+            <a:off x="313509" y="1645920"/>
+            <a:ext cx="966651" cy="252549"/>
+          </a:xfrm>
+          <a:prstGeom prst="roundRect">
+            <a:avLst/>
+          </a:prstGeom>
+          <a:solidFill>
+            <a:schemeClr val="bg1"/>
+          </a:solidFill>
+        </p:spPr>
+        <p:style>
+          <a:lnRef idx="2">
+            <a:schemeClr val="accent1">
+              <a:shade val="50000"/>
+            </a:schemeClr>
+          </a:lnRef>
+          <a:fillRef idx="1">
+            <a:schemeClr val="accent1"/>
+          </a:fillRef>
+          <a:effectRef idx="0">
+            <a:schemeClr val="accent1"/>
+          </a:effectRef>
+          <a:fontRef idx="minor">
+            <a:schemeClr val="lt1"/>
+          </a:fontRef>
+        </p:style>
+        <p:txBody>
+          <a:bodyPr rtlCol="0" anchor="ctr"/>
+          <a:lstStyle/>
+          <a:p>
+            <a:pPr algn="ctr"/>
+            <a:r>
+              <a:rPr lang="en-ZA" sz="900" dirty="0">
+                <a:solidFill>
+                  <a:schemeClr val="tx1"/>
+                </a:solidFill>
+              </a:rPr>
+              <a:t>Tag - Current</a:t>
+            </a:r>
+          </a:p>
+        </p:txBody>
+      </p:sp>
+      <p:sp>
+        <p:nvSpPr>
+          <p:cNvPr id="8" name="Rectangle: Rounded Corners 7">
+            <a:extLst>
+              <a:ext uri="{FF2B5EF4-FFF2-40B4-BE49-F238E27FC236}">
+                <a16:creationId xmlns:a16="http://schemas.microsoft.com/office/drawing/2014/main" id="{27671DE8-2725-486D-ACD5-C5DAD40A75F9}"/>
+              </a:ext>
+            </a:extLst>
+          </p:cNvPr>
+          <p:cNvSpPr/>
+          <p:nvPr/>
+        </p:nvSpPr>
+        <p:spPr>
+          <a:xfrm>
+            <a:off x="313509" y="2052487"/>
+            <a:ext cx="966651" cy="252549"/>
+          </a:xfrm>
+          <a:prstGeom prst="roundRect">
+            <a:avLst/>
+          </a:prstGeom>
+          <a:solidFill>
+            <a:schemeClr val="bg1"/>
+          </a:solidFill>
+        </p:spPr>
+        <p:style>
+          <a:lnRef idx="2">
+            <a:schemeClr val="accent1">
+              <a:shade val="50000"/>
+            </a:schemeClr>
+          </a:lnRef>
+          <a:fillRef idx="1">
+            <a:schemeClr val="accent1"/>
+          </a:fillRef>
+          <a:effectRef idx="0">
+            <a:schemeClr val="accent1"/>
+          </a:effectRef>
+          <a:fontRef idx="minor">
+            <a:schemeClr val="lt1"/>
+          </a:fontRef>
+        </p:style>
+        <p:txBody>
+          <a:bodyPr rtlCol="0" anchor="ctr"/>
+          <a:lstStyle/>
+          <a:p>
+            <a:pPr algn="ctr"/>
+            <a:r>
+              <a:rPr lang="en-ZA" sz="900" dirty="0">
+                <a:solidFill>
+                  <a:schemeClr val="tx1"/>
+                </a:solidFill>
+              </a:rPr>
+              <a:t>Tag - History</a:t>
+            </a:r>
+          </a:p>
+        </p:txBody>
+      </p:sp>
+      <p:sp>
+        <p:nvSpPr>
+          <p:cNvPr id="9" name="Rectangle: Rounded Corners 8">
+            <a:extLst>
+              <a:ext uri="{FF2B5EF4-FFF2-40B4-BE49-F238E27FC236}">
+                <a16:creationId xmlns:a16="http://schemas.microsoft.com/office/drawing/2014/main" id="{786B0CF5-5939-4592-8E57-92C01F1C3DBF}"/>
+              </a:ext>
+            </a:extLst>
+          </p:cNvPr>
+          <p:cNvSpPr/>
+          <p:nvPr/>
+        </p:nvSpPr>
+        <p:spPr>
+          <a:xfrm>
+            <a:off x="313509" y="2517335"/>
+            <a:ext cx="966651" cy="252549"/>
+          </a:xfrm>
+          <a:prstGeom prst="roundRect">
+            <a:avLst/>
+          </a:prstGeom>
+          <a:solidFill>
+            <a:schemeClr val="bg1"/>
+          </a:solidFill>
+        </p:spPr>
+        <p:style>
+          <a:lnRef idx="2">
+            <a:schemeClr val="accent1">
+              <a:shade val="50000"/>
+            </a:schemeClr>
+          </a:lnRef>
+          <a:fillRef idx="1">
+            <a:schemeClr val="accent1"/>
+          </a:fillRef>
+          <a:effectRef idx="0">
+            <a:schemeClr val="accent1"/>
+          </a:effectRef>
+          <a:fontRef idx="minor">
+            <a:schemeClr val="lt1"/>
+          </a:fontRef>
+        </p:style>
+        <p:txBody>
+          <a:bodyPr rtlCol="0" anchor="ctr"/>
+          <a:lstStyle/>
+          <a:p>
+            <a:pPr algn="ctr"/>
+            <a:r>
+              <a:rPr lang="en-ZA" sz="900" dirty="0">
+                <a:solidFill>
+                  <a:schemeClr val="tx1"/>
+                </a:solidFill>
+              </a:rPr>
+              <a:t>Base - History</a:t>
+            </a:r>
+          </a:p>
+        </p:txBody>
+      </p:sp>
+      <p:sp>
+        <p:nvSpPr>
+          <p:cNvPr id="10" name="Rectangle: Rounded Corners 9">
+            <a:extLst>
+              <a:ext uri="{FF2B5EF4-FFF2-40B4-BE49-F238E27FC236}">
+                <a16:creationId xmlns:a16="http://schemas.microsoft.com/office/drawing/2014/main" id="{D48D834A-BD6B-4CD0-A689-4DA6C258FD58}"/>
+              </a:ext>
+            </a:extLst>
+          </p:cNvPr>
+          <p:cNvSpPr/>
+          <p:nvPr/>
+        </p:nvSpPr>
+        <p:spPr>
+          <a:xfrm>
+            <a:off x="313508" y="2925907"/>
+            <a:ext cx="966651" cy="252549"/>
+          </a:xfrm>
+          <a:prstGeom prst="roundRect">
+            <a:avLst/>
+          </a:prstGeom>
+          <a:solidFill>
+            <a:schemeClr val="bg1"/>
+          </a:solidFill>
+        </p:spPr>
+        <p:style>
+          <a:lnRef idx="2">
+            <a:schemeClr val="accent1">
+              <a:shade val="50000"/>
+            </a:schemeClr>
+          </a:lnRef>
+          <a:fillRef idx="1">
+            <a:schemeClr val="accent1"/>
+          </a:fillRef>
+          <a:effectRef idx="0">
+            <a:schemeClr val="accent1"/>
+          </a:effectRef>
+          <a:fontRef idx="minor">
+            <a:schemeClr val="lt1"/>
+          </a:fontRef>
+        </p:style>
+        <p:txBody>
+          <a:bodyPr rtlCol="0" anchor="ctr"/>
+          <a:lstStyle/>
+          <a:p>
+            <a:pPr algn="ctr"/>
+            <a:r>
+              <a:rPr lang="en-ZA" sz="900" dirty="0">
+                <a:solidFill>
+                  <a:schemeClr val="tx1"/>
+                </a:solidFill>
+              </a:rPr>
+              <a:t>Settings</a:t>
+            </a:r>
+          </a:p>
+        </p:txBody>
+      </p:sp>
+      <p:sp>
+        <p:nvSpPr>
+          <p:cNvPr id="12" name="Pentagon 11">
+            <a:extLst>
+              <a:ext uri="{FF2B5EF4-FFF2-40B4-BE49-F238E27FC236}">
+                <a16:creationId xmlns:a16="http://schemas.microsoft.com/office/drawing/2014/main" id="{64C3BE13-7C83-453D-A3CB-A96E39F91FEE}"/>
+              </a:ext>
+            </a:extLst>
+          </p:cNvPr>
+          <p:cNvSpPr/>
+          <p:nvPr/>
+        </p:nvSpPr>
+        <p:spPr>
+          <a:xfrm>
+            <a:off x="7989452" y="2513455"/>
+            <a:ext cx="304801" cy="316052"/>
+          </a:xfrm>
+          <a:prstGeom prst="pentagon">
+            <a:avLst/>
+          </a:prstGeom>
+          <a:solidFill>
+            <a:schemeClr val="bg1">
+              <a:alpha val="0"/>
+            </a:schemeClr>
+          </a:solidFill>
+          <a:ln>
+            <a:solidFill>
+              <a:srgbClr val="FF0000"/>
+            </a:solidFill>
+          </a:ln>
+        </p:spPr>
+        <p:style>
+          <a:lnRef idx="2">
+            <a:schemeClr val="accent1">
+              <a:shade val="50000"/>
+            </a:schemeClr>
+          </a:lnRef>
+          <a:fillRef idx="1">
+            <a:schemeClr val="accent1"/>
+          </a:fillRef>
+          <a:effectRef idx="0">
+            <a:schemeClr val="accent1"/>
+          </a:effectRef>
+          <a:fontRef idx="minor">
+            <a:schemeClr val="lt1"/>
+          </a:fontRef>
+        </p:style>
+        <p:txBody>
+          <a:bodyPr rtlCol="0" anchor="ctr"/>
+          <a:lstStyle/>
+          <a:p>
+            <a:pPr algn="ctr"/>
+            <a:endParaRPr lang="en-ZA"/>
+          </a:p>
+        </p:txBody>
+      </p:sp>
+      <p:sp>
+        <p:nvSpPr>
+          <p:cNvPr id="19" name="Pentagon 18">
+            <a:extLst>
+              <a:ext uri="{FF2B5EF4-FFF2-40B4-BE49-F238E27FC236}">
+                <a16:creationId xmlns:a16="http://schemas.microsoft.com/office/drawing/2014/main" id="{0BACEF0E-552D-4651-8656-792CE7E6908C}"/>
+              </a:ext>
+            </a:extLst>
+          </p:cNvPr>
+          <p:cNvSpPr/>
+          <p:nvPr/>
+        </p:nvSpPr>
+        <p:spPr>
+          <a:xfrm>
+            <a:off x="4505585" y="1984109"/>
+            <a:ext cx="300182" cy="302395"/>
+          </a:xfrm>
+          <a:prstGeom prst="pentagon">
+            <a:avLst/>
+          </a:prstGeom>
+          <a:solidFill>
+            <a:schemeClr val="bg1">
+              <a:alpha val="0"/>
+            </a:schemeClr>
+          </a:solidFill>
+          <a:ln>
+            <a:solidFill>
+              <a:srgbClr val="FF0000"/>
+            </a:solidFill>
+          </a:ln>
+        </p:spPr>
+        <p:style>
+          <a:lnRef idx="2">
+            <a:schemeClr val="accent1">
+              <a:shade val="50000"/>
+            </a:schemeClr>
+          </a:lnRef>
+          <a:fillRef idx="1">
+            <a:schemeClr val="accent1"/>
+          </a:fillRef>
+          <a:effectRef idx="0">
+            <a:schemeClr val="accent1"/>
+          </a:effectRef>
+          <a:fontRef idx="minor">
+            <a:schemeClr val="lt1"/>
+          </a:fontRef>
+        </p:style>
+        <p:txBody>
+          <a:bodyPr rtlCol="0" anchor="ctr"/>
+          <a:lstStyle/>
+          <a:p>
+            <a:pPr algn="ctr"/>
+            <a:endParaRPr lang="en-ZA"/>
+          </a:p>
+        </p:txBody>
+      </p:sp>
+      <p:sp>
+        <p:nvSpPr>
+          <p:cNvPr id="20" name="Pentagon 19">
+            <a:extLst>
+              <a:ext uri="{FF2B5EF4-FFF2-40B4-BE49-F238E27FC236}">
+                <a16:creationId xmlns:a16="http://schemas.microsoft.com/office/drawing/2014/main" id="{909232DE-B352-42AF-8979-C987E59336BD}"/>
+              </a:ext>
+            </a:extLst>
+          </p:cNvPr>
+          <p:cNvSpPr/>
+          <p:nvPr/>
+        </p:nvSpPr>
+        <p:spPr>
+          <a:xfrm>
+            <a:off x="6891909" y="4736837"/>
+            <a:ext cx="377901" cy="341325"/>
+          </a:xfrm>
+          <a:prstGeom prst="pentagon">
+            <a:avLst/>
+          </a:prstGeom>
+          <a:solidFill>
+            <a:schemeClr val="bg1">
+              <a:alpha val="0"/>
+            </a:schemeClr>
+          </a:solidFill>
+          <a:ln>
+            <a:solidFill>
+              <a:srgbClr val="FF0000"/>
+            </a:solidFill>
+          </a:ln>
+        </p:spPr>
+        <p:style>
+          <a:lnRef idx="2">
+            <a:schemeClr val="accent1">
+              <a:shade val="50000"/>
+            </a:schemeClr>
+          </a:lnRef>
+          <a:fillRef idx="1">
+            <a:schemeClr val="accent1"/>
+          </a:fillRef>
+          <a:effectRef idx="0">
+            <a:schemeClr val="accent1"/>
+          </a:effectRef>
+          <a:fontRef idx="minor">
+            <a:schemeClr val="lt1"/>
+          </a:fontRef>
+        </p:style>
+        <p:txBody>
+          <a:bodyPr rtlCol="0" anchor="ctr"/>
+          <a:lstStyle/>
+          <a:p>
+            <a:pPr algn="ctr"/>
+            <a:endParaRPr lang="en-ZA"/>
+          </a:p>
+        </p:txBody>
+      </p:sp>
+      <p:sp>
+        <p:nvSpPr>
+          <p:cNvPr id="21" name="Pentagon 20">
+            <a:extLst>
+              <a:ext uri="{FF2B5EF4-FFF2-40B4-BE49-F238E27FC236}">
+                <a16:creationId xmlns:a16="http://schemas.microsoft.com/office/drawing/2014/main" id="{DA091111-7369-4ACE-8D77-763260372ECF}"/>
+              </a:ext>
+            </a:extLst>
+          </p:cNvPr>
+          <p:cNvSpPr/>
+          <p:nvPr/>
+        </p:nvSpPr>
+        <p:spPr>
+          <a:xfrm>
+            <a:off x="7242100" y="3103417"/>
+            <a:ext cx="424873" cy="264815"/>
+          </a:xfrm>
+          <a:prstGeom prst="pentagon">
+            <a:avLst/>
+          </a:prstGeom>
+          <a:solidFill>
+            <a:schemeClr val="bg1">
+              <a:alpha val="0"/>
+            </a:schemeClr>
+          </a:solidFill>
+          <a:ln>
+            <a:solidFill>
+              <a:srgbClr val="FF0000"/>
+            </a:solidFill>
+          </a:ln>
+        </p:spPr>
+        <p:style>
+          <a:lnRef idx="2">
+            <a:schemeClr val="accent1">
+              <a:shade val="50000"/>
+            </a:schemeClr>
+          </a:lnRef>
+          <a:fillRef idx="1">
+            <a:schemeClr val="accent1"/>
+          </a:fillRef>
+          <a:effectRef idx="0">
+            <a:schemeClr val="accent1"/>
+          </a:effectRef>
+          <a:fontRef idx="minor">
+            <a:schemeClr val="lt1"/>
+          </a:fontRef>
+        </p:style>
+        <p:txBody>
+          <a:bodyPr rtlCol="0" anchor="ctr"/>
+          <a:lstStyle/>
+          <a:p>
+            <a:pPr algn="ctr"/>
+            <a:endParaRPr lang="en-ZA"/>
+          </a:p>
+        </p:txBody>
+      </p:sp>
+      <p:sp>
+        <p:nvSpPr>
+          <p:cNvPr id="22" name="Flowchart: Summing Junction 21">
+            <a:extLst>
+              <a:ext uri="{FF2B5EF4-FFF2-40B4-BE49-F238E27FC236}">
+                <a16:creationId xmlns:a16="http://schemas.microsoft.com/office/drawing/2014/main" id="{84465AAB-97C7-43D7-BE82-ADA7BE2AC979}"/>
+              </a:ext>
+            </a:extLst>
+          </p:cNvPr>
+          <p:cNvSpPr/>
+          <p:nvPr/>
+        </p:nvSpPr>
+        <p:spPr>
+          <a:xfrm>
+            <a:off x="7269810" y="3368233"/>
+            <a:ext cx="137755" cy="167910"/>
+          </a:xfrm>
+          <a:prstGeom prst="flowChartSummingJunction">
+            <a:avLst/>
+          </a:prstGeom>
+          <a:ln>
+            <a:solidFill>
+              <a:srgbClr val="FF0000"/>
+            </a:solidFill>
+          </a:ln>
+        </p:spPr>
+        <p:style>
+          <a:lnRef idx="2">
+            <a:schemeClr val="accent1">
+              <a:shade val="50000"/>
+            </a:schemeClr>
+          </a:lnRef>
+          <a:fillRef idx="1">
+            <a:schemeClr val="accent1"/>
+          </a:fillRef>
+          <a:effectRef idx="0">
+            <a:schemeClr val="accent1"/>
+          </a:effectRef>
+          <a:fontRef idx="minor">
+            <a:schemeClr val="lt1"/>
+          </a:fontRef>
+        </p:style>
+        <p:txBody>
+          <a:bodyPr rtlCol="0" anchor="ctr"/>
+          <a:lstStyle/>
+          <a:p>
+            <a:pPr algn="ctr"/>
+            <a:endParaRPr lang="en-ZA"/>
+          </a:p>
+        </p:txBody>
+      </p:sp>
+      <p:sp>
+        <p:nvSpPr>
+          <p:cNvPr id="24" name="Flowchart: Summing Junction 23">
+            <a:extLst>
+              <a:ext uri="{FF2B5EF4-FFF2-40B4-BE49-F238E27FC236}">
+                <a16:creationId xmlns:a16="http://schemas.microsoft.com/office/drawing/2014/main" id="{B21D031D-A8E3-43EC-BEDC-E333EB066D13}"/>
+              </a:ext>
+            </a:extLst>
+          </p:cNvPr>
+          <p:cNvSpPr/>
+          <p:nvPr/>
+        </p:nvSpPr>
+        <p:spPr>
+          <a:xfrm>
+            <a:off x="7468391" y="3368233"/>
+            <a:ext cx="137755" cy="167910"/>
+          </a:xfrm>
+          <a:prstGeom prst="flowChartSummingJunction">
+            <a:avLst/>
+          </a:prstGeom>
+          <a:ln>
+            <a:solidFill>
+              <a:srgbClr val="FF0000"/>
+            </a:solidFill>
+          </a:ln>
+        </p:spPr>
+        <p:style>
+          <a:lnRef idx="2">
+            <a:schemeClr val="accent1">
+              <a:shade val="50000"/>
+            </a:schemeClr>
+          </a:lnRef>
+          <a:fillRef idx="1">
+            <a:schemeClr val="accent1"/>
+          </a:fillRef>
+          <a:effectRef idx="0">
+            <a:schemeClr val="accent1"/>
+          </a:effectRef>
+          <a:fontRef idx="minor">
+            <a:schemeClr val="lt1"/>
+          </a:fontRef>
+        </p:style>
+        <p:txBody>
+          <a:bodyPr rtlCol="0" anchor="ctr"/>
+          <a:lstStyle/>
+          <a:p>
+            <a:pPr algn="ctr"/>
+            <a:endParaRPr lang="en-ZA"/>
+          </a:p>
+        </p:txBody>
+      </p:sp>
+      <p:sp>
+        <p:nvSpPr>
+          <p:cNvPr id="26" name="Smiley Face 25">
+            <a:extLst>
+              <a:ext uri="{FF2B5EF4-FFF2-40B4-BE49-F238E27FC236}">
+                <a16:creationId xmlns:a16="http://schemas.microsoft.com/office/drawing/2014/main" id="{9E6B5F58-8924-40BF-9C5C-FBEFFAD1FD48}"/>
+              </a:ext>
+            </a:extLst>
+          </p:cNvPr>
+          <p:cNvSpPr/>
+          <p:nvPr/>
+        </p:nvSpPr>
+        <p:spPr>
+          <a:xfrm>
+            <a:off x="6908799" y="2767881"/>
+            <a:ext cx="110838" cy="158026"/>
+          </a:xfrm>
+          <a:prstGeom prst="smileyFace">
+            <a:avLst/>
+          </a:prstGeom>
+          <a:solidFill>
+            <a:schemeClr val="accent3">
+              <a:lumMod val="20000"/>
+              <a:lumOff val="80000"/>
+            </a:schemeClr>
+          </a:solidFill>
+        </p:spPr>
+        <p:style>
+          <a:lnRef idx="2">
+            <a:schemeClr val="accent1">
+              <a:shade val="50000"/>
+            </a:schemeClr>
+          </a:lnRef>
+          <a:fillRef idx="1">
+            <a:schemeClr val="accent1"/>
+          </a:fillRef>
+          <a:effectRef idx="0">
+            <a:schemeClr val="accent1"/>
+          </a:effectRef>
+          <a:fontRef idx="minor">
+            <a:schemeClr val="lt1"/>
+          </a:fontRef>
+        </p:style>
+        <p:txBody>
+          <a:bodyPr rtlCol="0" anchor="ctr"/>
+          <a:lstStyle/>
+          <a:p>
+            <a:pPr algn="ctr"/>
+            <a:endParaRPr lang="en-ZA"/>
+          </a:p>
+        </p:txBody>
+      </p:sp>
+      <p:sp>
+        <p:nvSpPr>
+          <p:cNvPr id="27" name="Smiley Face 26">
+            <a:extLst>
+              <a:ext uri="{FF2B5EF4-FFF2-40B4-BE49-F238E27FC236}">
+                <a16:creationId xmlns:a16="http://schemas.microsoft.com/office/drawing/2014/main" id="{C5F553F0-E733-46B7-9F89-6B3E70E36C11}"/>
+              </a:ext>
+            </a:extLst>
+          </p:cNvPr>
+          <p:cNvSpPr/>
+          <p:nvPr/>
+        </p:nvSpPr>
+        <p:spPr>
+          <a:xfrm>
+            <a:off x="6964218" y="2980161"/>
+            <a:ext cx="110838" cy="158026"/>
+          </a:xfrm>
+          <a:prstGeom prst="smileyFace">
+            <a:avLst/>
+          </a:prstGeom>
+          <a:solidFill>
+            <a:schemeClr val="accent1"/>
+          </a:solidFill>
+        </p:spPr>
+        <p:style>
+          <a:lnRef idx="2">
+            <a:schemeClr val="accent1">
+              <a:shade val="50000"/>
+            </a:schemeClr>
+          </a:lnRef>
+          <a:fillRef idx="1">
+            <a:schemeClr val="accent1"/>
+          </a:fillRef>
+          <a:effectRef idx="0">
+            <a:schemeClr val="accent1"/>
+          </a:effectRef>
+          <a:fontRef idx="minor">
+            <a:schemeClr val="lt1"/>
+          </a:fontRef>
+        </p:style>
+        <p:txBody>
+          <a:bodyPr rtlCol="0" anchor="ctr"/>
+          <a:lstStyle/>
+          <a:p>
+            <a:pPr algn="ctr"/>
+            <a:endParaRPr lang="en-ZA"/>
+          </a:p>
+        </p:txBody>
+      </p:sp>
+      <p:sp>
+        <p:nvSpPr>
+          <p:cNvPr id="28" name="Smiley Face 27">
+            <a:extLst>
+              <a:ext uri="{FF2B5EF4-FFF2-40B4-BE49-F238E27FC236}">
+                <a16:creationId xmlns:a16="http://schemas.microsoft.com/office/drawing/2014/main" id="{F5811F0D-0853-452B-B798-7AC93D403720}"/>
+              </a:ext>
+            </a:extLst>
+          </p:cNvPr>
+          <p:cNvSpPr/>
+          <p:nvPr/>
+        </p:nvSpPr>
+        <p:spPr>
+          <a:xfrm>
+            <a:off x="7056584" y="4578811"/>
+            <a:ext cx="110838" cy="158026"/>
+          </a:xfrm>
+          <a:prstGeom prst="smileyFace">
+            <a:avLst/>
+          </a:prstGeom>
+          <a:solidFill>
+            <a:schemeClr val="accent5"/>
+          </a:solidFill>
+        </p:spPr>
+        <p:style>
+          <a:lnRef idx="2">
+            <a:schemeClr val="accent1">
+              <a:shade val="50000"/>
+            </a:schemeClr>
+          </a:lnRef>
+          <a:fillRef idx="1">
+            <a:schemeClr val="accent1"/>
+          </a:fillRef>
+          <a:effectRef idx="0">
+            <a:schemeClr val="accent1"/>
+          </a:effectRef>
+          <a:fontRef idx="minor">
+            <a:schemeClr val="lt1"/>
+          </a:fontRef>
+        </p:style>
+        <p:txBody>
+          <a:bodyPr rtlCol="0" anchor="ctr"/>
+          <a:lstStyle/>
+          <a:p>
+            <a:pPr algn="ctr"/>
+            <a:endParaRPr lang="en-ZA"/>
+          </a:p>
+        </p:txBody>
+      </p:sp>
+      <p:sp>
+        <p:nvSpPr>
+          <p:cNvPr id="29" name="Smiley Face 28">
+            <a:extLst>
+              <a:ext uri="{FF2B5EF4-FFF2-40B4-BE49-F238E27FC236}">
+                <a16:creationId xmlns:a16="http://schemas.microsoft.com/office/drawing/2014/main" id="{8FC7FB6E-AC55-44D3-88CA-ED3A0384A0BD}"/>
+              </a:ext>
+            </a:extLst>
+          </p:cNvPr>
+          <p:cNvSpPr/>
+          <p:nvPr/>
+        </p:nvSpPr>
+        <p:spPr>
+          <a:xfrm>
+            <a:off x="4782625" y="1889514"/>
+            <a:ext cx="110838" cy="158026"/>
+          </a:xfrm>
+          <a:prstGeom prst="smileyFace">
+            <a:avLst/>
+          </a:prstGeom>
+          <a:solidFill>
+            <a:schemeClr val="accent4">
+              <a:lumMod val="20000"/>
+              <a:lumOff val="80000"/>
+            </a:schemeClr>
+          </a:solidFill>
+        </p:spPr>
+        <p:style>
+          <a:lnRef idx="2">
+            <a:schemeClr val="accent1">
+              <a:shade val="50000"/>
+            </a:schemeClr>
+          </a:lnRef>
+          <a:fillRef idx="1">
+            <a:schemeClr val="accent1"/>
+          </a:fillRef>
+          <a:effectRef idx="0">
+            <a:schemeClr val="accent1"/>
+          </a:effectRef>
+          <a:fontRef idx="minor">
+            <a:schemeClr val="lt1"/>
+          </a:fontRef>
+        </p:style>
+        <p:txBody>
+          <a:bodyPr rtlCol="0" anchor="ctr"/>
+          <a:lstStyle/>
+          <a:p>
+            <a:pPr algn="ctr"/>
+            <a:endParaRPr lang="en-ZA"/>
+          </a:p>
+        </p:txBody>
+      </p:sp>
+      <p:sp>
+        <p:nvSpPr>
+          <p:cNvPr id="30" name="Smiley Face 29">
+            <a:extLst>
+              <a:ext uri="{FF2B5EF4-FFF2-40B4-BE49-F238E27FC236}">
+                <a16:creationId xmlns:a16="http://schemas.microsoft.com/office/drawing/2014/main" id="{52A370BE-5688-4DEB-8F52-9A2D1067CC32}"/>
+              </a:ext>
+            </a:extLst>
+          </p:cNvPr>
+          <p:cNvSpPr/>
+          <p:nvPr/>
+        </p:nvSpPr>
+        <p:spPr>
+          <a:xfrm>
+            <a:off x="8031014" y="2343146"/>
+            <a:ext cx="110838" cy="158026"/>
+          </a:xfrm>
+          <a:prstGeom prst="smileyFace">
+            <a:avLst/>
+          </a:prstGeom>
+          <a:solidFill>
+            <a:schemeClr val="accent6"/>
+          </a:solidFill>
+        </p:spPr>
+        <p:style>
+          <a:lnRef idx="2">
+            <a:schemeClr val="accent1">
+              <a:shade val="50000"/>
+            </a:schemeClr>
+          </a:lnRef>
+          <a:fillRef idx="1">
+            <a:schemeClr val="accent1"/>
+          </a:fillRef>
+          <a:effectRef idx="0">
+            <a:schemeClr val="accent1"/>
+          </a:effectRef>
+          <a:fontRef idx="minor">
+            <a:schemeClr val="lt1"/>
+          </a:fontRef>
+        </p:style>
+        <p:txBody>
+          <a:bodyPr rtlCol="0" anchor="ctr"/>
+          <a:lstStyle/>
+          <a:p>
+            <a:pPr algn="ctr"/>
+            <a:endParaRPr lang="en-ZA"/>
+          </a:p>
+        </p:txBody>
+      </p:sp>
+      <p:sp>
+        <p:nvSpPr>
+          <p:cNvPr id="31" name="Star: 7 Points 30">
+            <a:extLst>
+              <a:ext uri="{FF2B5EF4-FFF2-40B4-BE49-F238E27FC236}">
+                <a16:creationId xmlns:a16="http://schemas.microsoft.com/office/drawing/2014/main" id="{6BC47AE9-2A1E-4789-A68B-C791350F47AF}"/>
+              </a:ext>
+            </a:extLst>
+          </p:cNvPr>
+          <p:cNvSpPr/>
+          <p:nvPr/>
+        </p:nvSpPr>
+        <p:spPr>
+          <a:xfrm>
+            <a:off x="1172093" y="1519645"/>
+            <a:ext cx="216132" cy="252549"/>
+          </a:xfrm>
+          <a:prstGeom prst="star7">
+            <a:avLst/>
+          </a:prstGeom>
+          <a:solidFill>
+            <a:srgbClr val="FFFF00"/>
+          </a:solidFill>
+        </p:spPr>
+        <p:style>
+          <a:lnRef idx="2">
+            <a:schemeClr val="accent1">
+              <a:shade val="50000"/>
+            </a:schemeClr>
+          </a:lnRef>
+          <a:fillRef idx="1">
+            <a:schemeClr val="accent1"/>
+          </a:fillRef>
+          <a:effectRef idx="0">
+            <a:schemeClr val="accent1"/>
+          </a:effectRef>
+          <a:fontRef idx="minor">
+            <a:schemeClr val="lt1"/>
+          </a:fontRef>
+        </p:style>
+        <p:txBody>
+          <a:bodyPr rtlCol="0" anchor="ctr"/>
+          <a:lstStyle/>
+          <a:p>
+            <a:pPr algn="ctr"/>
+            <a:endParaRPr lang="en-ZA"/>
+          </a:p>
+        </p:txBody>
+      </p:sp>
       <p:graphicFrame>
         <p:nvGraphicFramePr>
           <p:cNvPr id="32" name="Table 32">
@@ -8069,13 +10163,7 @@
           <p:cNvGraphicFramePr>
             <a:graphicFrameLocks noGrp="1"/>
           </p:cNvGraphicFramePr>
-          <p:nvPr>
-            <p:extLst>
-              <p:ext uri="{D42A27DB-BD31-4B8C-83A1-F6EECF244321}">
-                <p14:modId xmlns:p14="http://schemas.microsoft.com/office/powerpoint/2010/main" val="3373090664"/>
-              </p:ext>
-            </p:extLst>
-          </p:nvPr>
+          <p:nvPr/>
         </p:nvGraphicFramePr>
         <p:xfrm>
           <a:off x="8774542" y="1185749"/>
@@ -8462,10 +10550,40 @@
           </a:p>
         </p:txBody>
       </p:sp>
+      <p:pic>
+        <p:nvPicPr>
+          <p:cNvPr id="23" name="Picture 22">
+            <a:extLst>
+              <a:ext uri="{FF2B5EF4-FFF2-40B4-BE49-F238E27FC236}">
+                <a16:creationId xmlns:a16="http://schemas.microsoft.com/office/drawing/2014/main" id="{44A02891-6B48-4793-BF1E-F7B52DDC4F52}"/>
+              </a:ext>
+            </a:extLst>
+          </p:cNvPr>
+          <p:cNvPicPr>
+            <a:picLocks noChangeAspect="1"/>
+          </p:cNvPicPr>
+          <p:nvPr/>
+        </p:nvPicPr>
+        <p:blipFill>
+          <a:blip r:embed="rId3"/>
+          <a:stretch>
+            <a:fillRect/>
+          </a:stretch>
+        </p:blipFill>
+        <p:spPr>
+          <a:xfrm>
+            <a:off x="9230940" y="4316752"/>
+            <a:ext cx="2324424" cy="1743318"/>
+          </a:xfrm>
+          <a:prstGeom prst="rect">
+            <a:avLst/>
+          </a:prstGeom>
+        </p:spPr>
+      </p:pic>
     </p:spTree>
     <p:extLst>
       <p:ext uri="{BB962C8B-B14F-4D97-AF65-F5344CB8AC3E}">
-        <p14:creationId xmlns:p14="http://schemas.microsoft.com/office/powerpoint/2010/main" val="1316671851"/>
+        <p14:creationId xmlns:p14="http://schemas.microsoft.com/office/powerpoint/2010/main" val="905655790"/>
       </p:ext>
     </p:extLst>
   </p:cSld>
@@ -8475,7 +10593,7 @@
 </p:sld>
 </file>
 
-<file path=ppt/slides/slide7.xml><?xml version="1.0" encoding="utf-8"?>
+<file path=ppt/slides/slide8.xml><?xml version="1.0" encoding="utf-8"?>
 <p:sld xmlns:a="http://schemas.openxmlformats.org/drawingml/2006/main" xmlns:r="http://schemas.openxmlformats.org/officeDocument/2006/relationships" xmlns:p="http://schemas.openxmlformats.org/presentationml/2006/main">
   <p:cSld>
     <p:spTree>
@@ -10897,6 +13015,36 @@
           </a:p>
         </p:txBody>
       </p:sp>
+      <p:pic>
+        <p:nvPicPr>
+          <p:cNvPr id="3" name="Picture 2">
+            <a:extLst>
+              <a:ext uri="{FF2B5EF4-FFF2-40B4-BE49-F238E27FC236}">
+                <a16:creationId xmlns:a16="http://schemas.microsoft.com/office/drawing/2014/main" id="{6A7560BC-3FD5-4C03-934A-924025D4AD3E}"/>
+              </a:ext>
+            </a:extLst>
+          </p:cNvPr>
+          <p:cNvPicPr>
+            <a:picLocks noChangeAspect="1"/>
+          </p:cNvPicPr>
+          <p:nvPr/>
+        </p:nvPicPr>
+        <p:blipFill>
+          <a:blip r:embed="rId3"/>
+          <a:stretch>
+            <a:fillRect/>
+          </a:stretch>
+        </p:blipFill>
+        <p:spPr>
+          <a:xfrm>
+            <a:off x="9230940" y="4316752"/>
+            <a:ext cx="2324424" cy="1743318"/>
+          </a:xfrm>
+          <a:prstGeom prst="rect">
+            <a:avLst/>
+          </a:prstGeom>
+        </p:spPr>
+      </p:pic>
     </p:spTree>
     <p:extLst>
       <p:ext uri="{BB962C8B-B14F-4D97-AF65-F5344CB8AC3E}">
@@ -10910,7 +13058,7 @@
 </p:sld>
 </file>
 
-<file path=ppt/slides/slide8.xml><?xml version="1.0" encoding="utf-8"?>
+<file path=ppt/slides/slide9.xml><?xml version="1.0" encoding="utf-8"?>
 <p:sld xmlns:a="http://schemas.openxmlformats.org/drawingml/2006/main" xmlns:r="http://schemas.openxmlformats.org/officeDocument/2006/relationships" xmlns:p="http://schemas.openxmlformats.org/presentationml/2006/main">
   <p:cSld>
     <p:spTree>
@@ -12590,563 +14738,40 @@
           </a:p>
         </p:txBody>
       </p:sp>
+      <p:pic>
+        <p:nvPicPr>
+          <p:cNvPr id="40" name="Picture 39">
+            <a:extLst>
+              <a:ext uri="{FF2B5EF4-FFF2-40B4-BE49-F238E27FC236}">
+                <a16:creationId xmlns:a16="http://schemas.microsoft.com/office/drawing/2014/main" id="{BEDDBDF8-6B84-47BE-B141-BDCC69EE35AA}"/>
+              </a:ext>
+            </a:extLst>
+          </p:cNvPr>
+          <p:cNvPicPr>
+            <a:picLocks noChangeAspect="1"/>
+          </p:cNvPicPr>
+          <p:nvPr/>
+        </p:nvPicPr>
+        <p:blipFill>
+          <a:blip r:embed="rId3"/>
+          <a:stretch>
+            <a:fillRect/>
+          </a:stretch>
+        </p:blipFill>
+        <p:spPr>
+          <a:xfrm>
+            <a:off x="9230940" y="4316752"/>
+            <a:ext cx="2324424" cy="1743318"/>
+          </a:xfrm>
+          <a:prstGeom prst="rect">
+            <a:avLst/>
+          </a:prstGeom>
+        </p:spPr>
+      </p:pic>
     </p:spTree>
     <p:extLst>
       <p:ext uri="{BB962C8B-B14F-4D97-AF65-F5344CB8AC3E}">
         <p14:creationId xmlns:p14="http://schemas.microsoft.com/office/powerpoint/2010/main" val="4116212263"/>
-      </p:ext>
-    </p:extLst>
-  </p:cSld>
-  <p:clrMapOvr>
-    <a:masterClrMapping/>
-  </p:clrMapOvr>
-</p:sld>
-</file>
-
-<file path=ppt/slides/slide9.xml><?xml version="1.0" encoding="utf-8"?>
-<p:sld xmlns:a="http://schemas.openxmlformats.org/drawingml/2006/main" xmlns:r="http://schemas.openxmlformats.org/officeDocument/2006/relationships" xmlns:p="http://schemas.openxmlformats.org/presentationml/2006/main">
-  <p:cSld>
-    <p:spTree>
-      <p:nvGrpSpPr>
-        <p:cNvPr id="1" name=""/>
-        <p:cNvGrpSpPr/>
-        <p:nvPr/>
-      </p:nvGrpSpPr>
-      <p:grpSpPr>
-        <a:xfrm>
-          <a:off x="0" y="0"/>
-          <a:ext cx="0" cy="0"/>
-          <a:chOff x="0" y="0"/>
-          <a:chExt cx="0" cy="0"/>
-        </a:xfrm>
-      </p:grpSpPr>
-      <p:sp>
-        <p:nvSpPr>
-          <p:cNvPr id="6" name="TextBox 5">
-            <a:extLst>
-              <a:ext uri="{FF2B5EF4-FFF2-40B4-BE49-F238E27FC236}">
-                <a16:creationId xmlns:a16="http://schemas.microsoft.com/office/drawing/2014/main" id="{4561970F-161A-46A8-8700-112A51EE95E2}"/>
-              </a:ext>
-            </a:extLst>
-          </p:cNvPr>
-          <p:cNvSpPr txBox="1"/>
-          <p:nvPr/>
-        </p:nvSpPr>
-        <p:spPr>
-          <a:xfrm>
-            <a:off x="2499360" y="461554"/>
-            <a:ext cx="4955177" cy="369332"/>
-          </a:xfrm>
-          <a:prstGeom prst="rect">
-            <a:avLst/>
-          </a:prstGeom>
-          <a:noFill/>
-        </p:spPr>
-        <p:txBody>
-          <a:bodyPr wrap="square" rtlCol="0">
-            <a:spAutoFit/>
-          </a:bodyPr>
-          <a:lstStyle/>
-          <a:p>
-            <a:r>
-              <a:rPr lang="en-ZA" dirty="0"/>
-              <a:t>Missing Sock </a:t>
-            </a:r>
-          </a:p>
-        </p:txBody>
-      </p:sp>
-      <p:sp>
-        <p:nvSpPr>
-          <p:cNvPr id="7" name="Rectangle: Rounded Corners 6">
-            <a:extLst>
-              <a:ext uri="{FF2B5EF4-FFF2-40B4-BE49-F238E27FC236}">
-                <a16:creationId xmlns:a16="http://schemas.microsoft.com/office/drawing/2014/main" id="{5D347914-C50A-4476-9531-34F218A3B248}"/>
-              </a:ext>
-            </a:extLst>
-          </p:cNvPr>
-          <p:cNvSpPr/>
-          <p:nvPr/>
-        </p:nvSpPr>
-        <p:spPr>
-          <a:xfrm>
-            <a:off x="313509" y="1645920"/>
-            <a:ext cx="966651" cy="252549"/>
-          </a:xfrm>
-          <a:prstGeom prst="roundRect">
-            <a:avLst/>
-          </a:prstGeom>
-          <a:solidFill>
-            <a:schemeClr val="bg1"/>
-          </a:solidFill>
-        </p:spPr>
-        <p:style>
-          <a:lnRef idx="2">
-            <a:schemeClr val="accent1">
-              <a:shade val="50000"/>
-            </a:schemeClr>
-          </a:lnRef>
-          <a:fillRef idx="1">
-            <a:schemeClr val="accent1"/>
-          </a:fillRef>
-          <a:effectRef idx="0">
-            <a:schemeClr val="accent1"/>
-          </a:effectRef>
-          <a:fontRef idx="minor">
-            <a:schemeClr val="lt1"/>
-          </a:fontRef>
-        </p:style>
-        <p:txBody>
-          <a:bodyPr rtlCol="0" anchor="ctr"/>
-          <a:lstStyle/>
-          <a:p>
-            <a:pPr algn="ctr"/>
-            <a:r>
-              <a:rPr lang="en-ZA" sz="900" dirty="0">
-                <a:solidFill>
-                  <a:schemeClr val="tx1"/>
-                </a:solidFill>
-              </a:rPr>
-              <a:t>Tag - Current</a:t>
-            </a:r>
-          </a:p>
-        </p:txBody>
-      </p:sp>
-      <p:sp>
-        <p:nvSpPr>
-          <p:cNvPr id="8" name="Rectangle: Rounded Corners 7">
-            <a:extLst>
-              <a:ext uri="{FF2B5EF4-FFF2-40B4-BE49-F238E27FC236}">
-                <a16:creationId xmlns:a16="http://schemas.microsoft.com/office/drawing/2014/main" id="{27671DE8-2725-486D-ACD5-C5DAD40A75F9}"/>
-              </a:ext>
-            </a:extLst>
-          </p:cNvPr>
-          <p:cNvSpPr/>
-          <p:nvPr/>
-        </p:nvSpPr>
-        <p:spPr>
-          <a:xfrm>
-            <a:off x="313509" y="2052487"/>
-            <a:ext cx="966651" cy="252549"/>
-          </a:xfrm>
-          <a:prstGeom prst="roundRect">
-            <a:avLst/>
-          </a:prstGeom>
-          <a:solidFill>
-            <a:schemeClr val="bg1"/>
-          </a:solidFill>
-        </p:spPr>
-        <p:style>
-          <a:lnRef idx="2">
-            <a:schemeClr val="accent1">
-              <a:shade val="50000"/>
-            </a:schemeClr>
-          </a:lnRef>
-          <a:fillRef idx="1">
-            <a:schemeClr val="accent1"/>
-          </a:fillRef>
-          <a:effectRef idx="0">
-            <a:schemeClr val="accent1"/>
-          </a:effectRef>
-          <a:fontRef idx="minor">
-            <a:schemeClr val="lt1"/>
-          </a:fontRef>
-        </p:style>
-        <p:txBody>
-          <a:bodyPr rtlCol="0" anchor="ctr"/>
-          <a:lstStyle/>
-          <a:p>
-            <a:pPr algn="ctr"/>
-            <a:r>
-              <a:rPr lang="en-ZA" sz="900" dirty="0">
-                <a:solidFill>
-                  <a:schemeClr val="tx1"/>
-                </a:solidFill>
-              </a:rPr>
-              <a:t>Tag - History</a:t>
-            </a:r>
-          </a:p>
-        </p:txBody>
-      </p:sp>
-      <p:sp>
-        <p:nvSpPr>
-          <p:cNvPr id="9" name="Rectangle: Rounded Corners 8">
-            <a:extLst>
-              <a:ext uri="{FF2B5EF4-FFF2-40B4-BE49-F238E27FC236}">
-                <a16:creationId xmlns:a16="http://schemas.microsoft.com/office/drawing/2014/main" id="{786B0CF5-5939-4592-8E57-92C01F1C3DBF}"/>
-              </a:ext>
-            </a:extLst>
-          </p:cNvPr>
-          <p:cNvSpPr/>
-          <p:nvPr/>
-        </p:nvSpPr>
-        <p:spPr>
-          <a:xfrm>
-            <a:off x="313509" y="2517335"/>
-            <a:ext cx="966651" cy="252549"/>
-          </a:xfrm>
-          <a:prstGeom prst="roundRect">
-            <a:avLst/>
-          </a:prstGeom>
-          <a:solidFill>
-            <a:schemeClr val="bg1"/>
-          </a:solidFill>
-        </p:spPr>
-        <p:style>
-          <a:lnRef idx="2">
-            <a:schemeClr val="accent1">
-              <a:shade val="50000"/>
-            </a:schemeClr>
-          </a:lnRef>
-          <a:fillRef idx="1">
-            <a:schemeClr val="accent1"/>
-          </a:fillRef>
-          <a:effectRef idx="0">
-            <a:schemeClr val="accent1"/>
-          </a:effectRef>
-          <a:fontRef idx="minor">
-            <a:schemeClr val="lt1"/>
-          </a:fontRef>
-        </p:style>
-        <p:txBody>
-          <a:bodyPr rtlCol="0" anchor="ctr"/>
-          <a:lstStyle/>
-          <a:p>
-            <a:pPr algn="ctr"/>
-            <a:r>
-              <a:rPr lang="en-ZA" sz="900" dirty="0">
-                <a:solidFill>
-                  <a:schemeClr val="tx1"/>
-                </a:solidFill>
-              </a:rPr>
-              <a:t>Base - History</a:t>
-            </a:r>
-          </a:p>
-        </p:txBody>
-      </p:sp>
-      <p:sp>
-        <p:nvSpPr>
-          <p:cNvPr id="10" name="Rectangle: Rounded Corners 9">
-            <a:extLst>
-              <a:ext uri="{FF2B5EF4-FFF2-40B4-BE49-F238E27FC236}">
-                <a16:creationId xmlns:a16="http://schemas.microsoft.com/office/drawing/2014/main" id="{D48D834A-BD6B-4CD0-A689-4DA6C258FD58}"/>
-              </a:ext>
-            </a:extLst>
-          </p:cNvPr>
-          <p:cNvSpPr/>
-          <p:nvPr/>
-        </p:nvSpPr>
-        <p:spPr>
-          <a:xfrm>
-            <a:off x="313508" y="2925907"/>
-            <a:ext cx="966651" cy="252549"/>
-          </a:xfrm>
-          <a:prstGeom prst="roundRect">
-            <a:avLst/>
-          </a:prstGeom>
-          <a:solidFill>
-            <a:schemeClr val="bg1"/>
-          </a:solidFill>
-        </p:spPr>
-        <p:style>
-          <a:lnRef idx="2">
-            <a:schemeClr val="accent1">
-              <a:shade val="50000"/>
-            </a:schemeClr>
-          </a:lnRef>
-          <a:fillRef idx="1">
-            <a:schemeClr val="accent1"/>
-          </a:fillRef>
-          <a:effectRef idx="0">
-            <a:schemeClr val="accent1"/>
-          </a:effectRef>
-          <a:fontRef idx="minor">
-            <a:schemeClr val="lt1"/>
-          </a:fontRef>
-        </p:style>
-        <p:txBody>
-          <a:bodyPr rtlCol="0" anchor="ctr"/>
-          <a:lstStyle/>
-          <a:p>
-            <a:pPr algn="ctr"/>
-            <a:r>
-              <a:rPr lang="en-ZA" sz="900" dirty="0">
-                <a:solidFill>
-                  <a:schemeClr val="tx1"/>
-                </a:solidFill>
-              </a:rPr>
-              <a:t>Settings</a:t>
-            </a:r>
-          </a:p>
-        </p:txBody>
-      </p:sp>
-      <p:sp>
-        <p:nvSpPr>
-          <p:cNvPr id="31" name="Star: 7 Points 30">
-            <a:extLst>
-              <a:ext uri="{FF2B5EF4-FFF2-40B4-BE49-F238E27FC236}">
-                <a16:creationId xmlns:a16="http://schemas.microsoft.com/office/drawing/2014/main" id="{6BC47AE9-2A1E-4789-A68B-C791350F47AF}"/>
-              </a:ext>
-            </a:extLst>
-          </p:cNvPr>
-          <p:cNvSpPr/>
-          <p:nvPr/>
-        </p:nvSpPr>
-        <p:spPr>
-          <a:xfrm>
-            <a:off x="942481" y="2885638"/>
-            <a:ext cx="216132" cy="252549"/>
-          </a:xfrm>
-          <a:prstGeom prst="star7">
-            <a:avLst/>
-          </a:prstGeom>
-          <a:solidFill>
-            <a:srgbClr val="FFFF00"/>
-          </a:solidFill>
-        </p:spPr>
-        <p:style>
-          <a:lnRef idx="2">
-            <a:schemeClr val="accent1">
-              <a:shade val="50000"/>
-            </a:schemeClr>
-          </a:lnRef>
-          <a:fillRef idx="1">
-            <a:schemeClr val="accent1"/>
-          </a:fillRef>
-          <a:effectRef idx="0">
-            <a:schemeClr val="accent1"/>
-          </a:effectRef>
-          <a:fontRef idx="minor">
-            <a:schemeClr val="lt1"/>
-          </a:fontRef>
-        </p:style>
-        <p:txBody>
-          <a:bodyPr rtlCol="0" anchor="ctr"/>
-          <a:lstStyle/>
-          <a:p>
-            <a:pPr algn="ctr"/>
-            <a:endParaRPr lang="en-ZA"/>
-          </a:p>
-        </p:txBody>
-      </p:sp>
-      <p:sp>
-        <p:nvSpPr>
-          <p:cNvPr id="40" name="Rectangle: Rounded Corners 39">
-            <a:extLst>
-              <a:ext uri="{FF2B5EF4-FFF2-40B4-BE49-F238E27FC236}">
-                <a16:creationId xmlns:a16="http://schemas.microsoft.com/office/drawing/2014/main" id="{035D775F-3958-4D7C-8E45-D5C3B9C71B4C}"/>
-              </a:ext>
-            </a:extLst>
-          </p:cNvPr>
-          <p:cNvSpPr/>
-          <p:nvPr/>
-        </p:nvSpPr>
-        <p:spPr>
-          <a:xfrm>
-            <a:off x="3152548" y="1647749"/>
-            <a:ext cx="966651" cy="252549"/>
-          </a:xfrm>
-          <a:prstGeom prst="roundRect">
-            <a:avLst/>
-          </a:prstGeom>
-          <a:solidFill>
-            <a:schemeClr val="bg1"/>
-          </a:solidFill>
-        </p:spPr>
-        <p:style>
-          <a:lnRef idx="2">
-            <a:schemeClr val="accent1">
-              <a:shade val="50000"/>
-            </a:schemeClr>
-          </a:lnRef>
-          <a:fillRef idx="1">
-            <a:schemeClr val="accent1"/>
-          </a:fillRef>
-          <a:effectRef idx="0">
-            <a:schemeClr val="accent1"/>
-          </a:effectRef>
-          <a:fontRef idx="minor">
-            <a:schemeClr val="lt1"/>
-          </a:fontRef>
-        </p:style>
-        <p:txBody>
-          <a:bodyPr rtlCol="0" anchor="ctr"/>
-          <a:lstStyle/>
-          <a:p>
-            <a:pPr algn="ctr"/>
-            <a:r>
-              <a:rPr lang="en-ZA" sz="900" dirty="0">
-                <a:solidFill>
-                  <a:schemeClr val="tx1"/>
-                </a:solidFill>
-              </a:rPr>
-              <a:t>Base </a:t>
-            </a:r>
-          </a:p>
-        </p:txBody>
-      </p:sp>
-      <p:sp>
-        <p:nvSpPr>
-          <p:cNvPr id="41" name="Rectangle: Rounded Corners 40">
-            <a:extLst>
-              <a:ext uri="{FF2B5EF4-FFF2-40B4-BE49-F238E27FC236}">
-                <a16:creationId xmlns:a16="http://schemas.microsoft.com/office/drawing/2014/main" id="{5CC108FF-55BA-4FA6-86C6-6D73B7913FA1}"/>
-              </a:ext>
-            </a:extLst>
-          </p:cNvPr>
-          <p:cNvSpPr/>
-          <p:nvPr/>
-        </p:nvSpPr>
-        <p:spPr>
-          <a:xfrm>
-            <a:off x="3152547" y="2054316"/>
-            <a:ext cx="966651" cy="252549"/>
-          </a:xfrm>
-          <a:prstGeom prst="roundRect">
-            <a:avLst/>
-          </a:prstGeom>
-          <a:solidFill>
-            <a:schemeClr val="bg1"/>
-          </a:solidFill>
-        </p:spPr>
-        <p:style>
-          <a:lnRef idx="2">
-            <a:schemeClr val="accent1">
-              <a:shade val="50000"/>
-            </a:schemeClr>
-          </a:lnRef>
-          <a:fillRef idx="1">
-            <a:schemeClr val="accent1"/>
-          </a:fillRef>
-          <a:effectRef idx="0">
-            <a:schemeClr val="accent1"/>
-          </a:effectRef>
-          <a:fontRef idx="minor">
-            <a:schemeClr val="lt1"/>
-          </a:fontRef>
-        </p:style>
-        <p:txBody>
-          <a:bodyPr rtlCol="0" anchor="ctr"/>
-          <a:lstStyle/>
-          <a:p>
-            <a:pPr algn="ctr"/>
-            <a:r>
-              <a:rPr lang="en-ZA" sz="900" dirty="0">
-                <a:solidFill>
-                  <a:schemeClr val="tx1"/>
-                </a:solidFill>
-              </a:rPr>
-              <a:t>Tag</a:t>
-            </a:r>
-          </a:p>
-        </p:txBody>
-      </p:sp>
-      <p:sp>
-        <p:nvSpPr>
-          <p:cNvPr id="2" name="Callout: Line 1">
-            <a:extLst>
-              <a:ext uri="{FF2B5EF4-FFF2-40B4-BE49-F238E27FC236}">
-                <a16:creationId xmlns:a16="http://schemas.microsoft.com/office/drawing/2014/main" id="{67AAB763-69C7-4D8C-9244-34B80D2D2B3D}"/>
-              </a:ext>
-            </a:extLst>
-          </p:cNvPr>
-          <p:cNvSpPr/>
-          <p:nvPr/>
-        </p:nvSpPr>
-        <p:spPr>
-          <a:xfrm>
-            <a:off x="5571241" y="1470582"/>
-            <a:ext cx="2337847" cy="544198"/>
-          </a:xfrm>
-          <a:prstGeom prst="borderCallout1">
-            <a:avLst/>
-          </a:prstGeom>
-          <a:solidFill>
-            <a:schemeClr val="bg1"/>
-          </a:solidFill>
-        </p:spPr>
-        <p:style>
-          <a:lnRef idx="2">
-            <a:schemeClr val="accent1">
-              <a:shade val="50000"/>
-            </a:schemeClr>
-          </a:lnRef>
-          <a:fillRef idx="1">
-            <a:schemeClr val="accent1"/>
-          </a:fillRef>
-          <a:effectRef idx="0">
-            <a:schemeClr val="accent1"/>
-          </a:effectRef>
-          <a:fontRef idx="minor">
-            <a:schemeClr val="lt1"/>
-          </a:fontRef>
-        </p:style>
-        <p:txBody>
-          <a:bodyPr rtlCol="0" anchor="ctr"/>
-          <a:lstStyle/>
-          <a:p>
-            <a:pPr marL="171450" indent="-171450">
-              <a:buFontTx/>
-              <a:buChar char="-"/>
-            </a:pPr>
-            <a:r>
-              <a:rPr lang="en-ZA" sz="800" dirty="0">
-                <a:solidFill>
-                  <a:schemeClr val="tx1"/>
-                </a:solidFill>
-              </a:rPr>
-              <a:t>Add Nice own name</a:t>
-            </a:r>
-          </a:p>
-          <a:p>
-            <a:pPr marL="171450" indent="-171450">
-              <a:buFontTx/>
-              <a:buChar char="-"/>
-            </a:pPr>
-            <a:r>
-              <a:rPr lang="en-ZA" sz="800" dirty="0">
-                <a:solidFill>
-                  <a:schemeClr val="tx1"/>
-                </a:solidFill>
-              </a:rPr>
-              <a:t>Change Icon (drop down)</a:t>
-            </a:r>
-          </a:p>
-          <a:p>
-            <a:pPr marL="171450" indent="-171450">
-              <a:buFontTx/>
-              <a:buChar char="-"/>
-            </a:pPr>
-            <a:r>
-              <a:rPr lang="en-ZA" sz="800" dirty="0">
-                <a:solidFill>
-                  <a:schemeClr val="tx1"/>
-                </a:solidFill>
-              </a:rPr>
-              <a:t>Change base </a:t>
-            </a:r>
-            <a:r>
-              <a:rPr lang="en-ZA" sz="800" dirty="0" err="1">
-                <a:solidFill>
-                  <a:schemeClr val="tx1"/>
-                </a:solidFill>
-              </a:rPr>
-              <a:t>color</a:t>
-            </a:r>
-            <a:r>
-              <a:rPr lang="en-ZA" sz="800" dirty="0">
-                <a:solidFill>
-                  <a:schemeClr val="tx1"/>
-                </a:solidFill>
-              </a:rPr>
-              <a:t> (drop down)</a:t>
-            </a:r>
-          </a:p>
-        </p:txBody>
-      </p:sp>
-    </p:spTree>
-    <p:extLst>
-      <p:ext uri="{BB962C8B-B14F-4D97-AF65-F5344CB8AC3E}">
-        <p14:creationId xmlns:p14="http://schemas.microsoft.com/office/powerpoint/2010/main" val="724500334"/>
       </p:ext>
     </p:extLst>
   </p:cSld>
